--- a/libraries/Diagramm Drone3.pptx
+++ b/libraries/Diagramm Drone3.pptx
@@ -3728,7 +3728,7 @@
           <a:p>
             <a:fld id="{0717AEF8-1597-4679-8926-916E82E12B07}" type="datetimeFigureOut">
               <a:rPr lang="fr-FR" smtClean="0"/>
-              <a:t>11/12/2024</a:t>
+              <a:t>16/12/2024</a:t>
             </a:fld>
             <a:endParaRPr lang="fr-FR"/>
           </a:p>
@@ -3926,7 +3926,7 @@
           <a:p>
             <a:fld id="{0717AEF8-1597-4679-8926-916E82E12B07}" type="datetimeFigureOut">
               <a:rPr lang="fr-FR" smtClean="0"/>
-              <a:t>11/12/2024</a:t>
+              <a:t>16/12/2024</a:t>
             </a:fld>
             <a:endParaRPr lang="fr-FR"/>
           </a:p>
@@ -4134,7 +4134,7 @@
           <a:p>
             <a:fld id="{0717AEF8-1597-4679-8926-916E82E12B07}" type="datetimeFigureOut">
               <a:rPr lang="fr-FR" smtClean="0"/>
-              <a:t>11/12/2024</a:t>
+              <a:t>16/12/2024</a:t>
             </a:fld>
             <a:endParaRPr lang="fr-FR"/>
           </a:p>
@@ -4332,7 +4332,7 @@
           <a:p>
             <a:fld id="{0717AEF8-1597-4679-8926-916E82E12B07}" type="datetimeFigureOut">
               <a:rPr lang="fr-FR" smtClean="0"/>
-              <a:t>11/12/2024</a:t>
+              <a:t>16/12/2024</a:t>
             </a:fld>
             <a:endParaRPr lang="fr-FR"/>
           </a:p>
@@ -4607,7 +4607,7 @@
           <a:p>
             <a:fld id="{0717AEF8-1597-4679-8926-916E82E12B07}" type="datetimeFigureOut">
               <a:rPr lang="fr-FR" smtClean="0"/>
-              <a:t>11/12/2024</a:t>
+              <a:t>16/12/2024</a:t>
             </a:fld>
             <a:endParaRPr lang="fr-FR"/>
           </a:p>
@@ -4872,7 +4872,7 @@
           <a:p>
             <a:fld id="{0717AEF8-1597-4679-8926-916E82E12B07}" type="datetimeFigureOut">
               <a:rPr lang="fr-FR" smtClean="0"/>
-              <a:t>11/12/2024</a:t>
+              <a:t>16/12/2024</a:t>
             </a:fld>
             <a:endParaRPr lang="fr-FR"/>
           </a:p>
@@ -5284,7 +5284,7 @@
           <a:p>
             <a:fld id="{0717AEF8-1597-4679-8926-916E82E12B07}" type="datetimeFigureOut">
               <a:rPr lang="fr-FR" smtClean="0"/>
-              <a:t>11/12/2024</a:t>
+              <a:t>16/12/2024</a:t>
             </a:fld>
             <a:endParaRPr lang="fr-FR"/>
           </a:p>
@@ -5425,7 +5425,7 @@
           <a:p>
             <a:fld id="{0717AEF8-1597-4679-8926-916E82E12B07}" type="datetimeFigureOut">
               <a:rPr lang="fr-FR" smtClean="0"/>
-              <a:t>11/12/2024</a:t>
+              <a:t>16/12/2024</a:t>
             </a:fld>
             <a:endParaRPr lang="fr-FR"/>
           </a:p>
@@ -5538,7 +5538,7 @@
           <a:p>
             <a:fld id="{0717AEF8-1597-4679-8926-916E82E12B07}" type="datetimeFigureOut">
               <a:rPr lang="fr-FR" smtClean="0"/>
-              <a:t>11/12/2024</a:t>
+              <a:t>16/12/2024</a:t>
             </a:fld>
             <a:endParaRPr lang="fr-FR"/>
           </a:p>
@@ -5849,7 +5849,7 @@
           <a:p>
             <a:fld id="{0717AEF8-1597-4679-8926-916E82E12B07}" type="datetimeFigureOut">
               <a:rPr lang="fr-FR" smtClean="0"/>
-              <a:t>11/12/2024</a:t>
+              <a:t>16/12/2024</a:t>
             </a:fld>
             <a:endParaRPr lang="fr-FR"/>
           </a:p>
@@ -6137,7 +6137,7 @@
           <a:p>
             <a:fld id="{0717AEF8-1597-4679-8926-916E82E12B07}" type="datetimeFigureOut">
               <a:rPr lang="fr-FR" smtClean="0"/>
-              <a:t>11/12/2024</a:t>
+              <a:t>16/12/2024</a:t>
             </a:fld>
             <a:endParaRPr lang="fr-FR"/>
           </a:p>
@@ -6378,7 +6378,7 @@
           <a:p>
             <a:fld id="{0717AEF8-1597-4679-8926-916E82E12B07}" type="datetimeFigureOut">
               <a:rPr lang="fr-FR" smtClean="0"/>
-              <a:t>11/12/2024</a:t>
+              <a:t>16/12/2024</a:t>
             </a:fld>
             <a:endParaRPr lang="fr-FR"/>
           </a:p>
@@ -6809,8 +6809,8 @@
         </p:nvSpPr>
         <p:spPr>
           <a:xfrm>
-            <a:off x="10409492" y="340394"/>
-            <a:ext cx="1363602" cy="621305"/>
+            <a:off x="10788175" y="340394"/>
+            <a:ext cx="1135965" cy="786442"/>
           </a:xfrm>
           <a:prstGeom prst="roundRect">
             <a:avLst/>
@@ -6846,7 +6846,7 @@
           <a:p>
             <a:pPr algn="ctr"/>
             <a:r>
-              <a:rPr lang="en-US">
+              <a:rPr lang="en-US" dirty="0" err="1">
                 <a:solidFill>
                   <a:schemeClr val="tx1"/>
                 </a:solidFill>
@@ -6899,7 +6899,7 @@
         </p:nvSpPr>
         <p:spPr>
           <a:xfrm>
-            <a:off x="1871133" y="1907248"/>
+            <a:off x="1840653" y="1937728"/>
             <a:ext cx="7797848" cy="3409260"/>
           </a:xfrm>
           <a:prstGeom prst="rect">
@@ -6934,7 +6934,7 @@
           <a:p>
             <a:pPr algn="ctr"/>
             <a:r>
-              <a:rPr lang="en-US" sz="2800"/>
+              <a:rPr lang="en-US" sz="2800" dirty="0"/>
               <a:t>Arduino MEGA2560</a:t>
             </a:r>
           </a:p>
@@ -7114,49 +7114,6 @@
           </a:p>
         </p:txBody>
       </p:sp>
-      <p:cxnSp>
-        <p:nvCxnSpPr>
-          <p:cNvPr id="115" name="Connecteur droit avec flèche 114">
-            <a:extLst>
-              <a:ext uri="{FF2B5EF4-FFF2-40B4-BE49-F238E27FC236}">
-                <a16:creationId xmlns:a16="http://schemas.microsoft.com/office/drawing/2014/main" id="{84E1737C-8DD2-4B4F-BB53-59A3C68D3F05}"/>
-              </a:ext>
-            </a:extLst>
-          </p:cNvPr>
-          <p:cNvCxnSpPr>
-            <a:cxnSpLocks/>
-          </p:cNvCxnSpPr>
-          <p:nvPr/>
-        </p:nvCxnSpPr>
-        <p:spPr>
-          <a:xfrm>
-            <a:off x="11439515" y="1316418"/>
-            <a:ext cx="0" cy="284892"/>
-          </a:xfrm>
-          <a:prstGeom prst="straightConnector1">
-            <a:avLst/>
-          </a:prstGeom>
-          <a:ln w="19050">
-            <a:solidFill>
-              <a:srgbClr val="7030A0"/>
-            </a:solidFill>
-          </a:ln>
-        </p:spPr>
-        <p:style>
-          <a:lnRef idx="1">
-            <a:schemeClr val="accent1"/>
-          </a:lnRef>
-          <a:fillRef idx="0">
-            <a:schemeClr val="accent1"/>
-          </a:fillRef>
-          <a:effectRef idx="0">
-            <a:schemeClr val="accent1"/>
-          </a:effectRef>
-          <a:fontRef idx="minor">
-            <a:schemeClr val="tx1"/>
-          </a:fontRef>
-        </p:style>
-      </p:cxnSp>
       <p:sp>
         <p:nvSpPr>
           <p:cNvPr id="170" name="ZoneTexte 169">
@@ -7259,8 +7216,8 @@
         </p:nvCxnSpPr>
         <p:spPr>
           <a:xfrm flipH="1">
-            <a:off x="3640667" y="94148"/>
-            <a:ext cx="8364544" cy="0"/>
+            <a:off x="4419600" y="94148"/>
+            <a:ext cx="7624618" cy="0"/>
           </a:xfrm>
           <a:prstGeom prst="line">
             <a:avLst/>
@@ -7300,8 +7257,8 @@
         </p:nvSpPr>
         <p:spPr>
           <a:xfrm>
-            <a:off x="4004831" y="1912809"/>
-            <a:ext cx="5438890" cy="276999"/>
+            <a:off x="3756660" y="1920429"/>
+            <a:ext cx="5887252" cy="276999"/>
           </a:xfrm>
           <a:prstGeom prst="rect">
             <a:avLst/>
@@ -7341,7 +7298,7 @@
         </p:nvSpPr>
         <p:spPr>
           <a:xfrm>
-            <a:off x="7246812" y="1665573"/>
+            <a:off x="7607023" y="1665573"/>
             <a:ext cx="447558" cy="222395"/>
           </a:xfrm>
           <a:prstGeom prst="ellipse">
@@ -7404,7 +7361,7 @@
         </p:nvSpPr>
         <p:spPr>
           <a:xfrm>
-            <a:off x="8885954" y="1666882"/>
+            <a:off x="9246165" y="1674502"/>
             <a:ext cx="447558" cy="222395"/>
           </a:xfrm>
           <a:prstGeom prst="ellipse">
@@ -7467,7 +7424,7 @@
         </p:nvSpPr>
         <p:spPr>
           <a:xfrm>
-            <a:off x="5636509" y="1664727"/>
+            <a:off x="5996720" y="1664727"/>
             <a:ext cx="447558" cy="222395"/>
           </a:xfrm>
           <a:prstGeom prst="ellipse">
@@ -7530,7 +7487,7 @@
         </p:nvSpPr>
         <p:spPr>
           <a:xfrm>
-            <a:off x="4013708" y="1670591"/>
+            <a:off x="4358679" y="1693451"/>
             <a:ext cx="447558" cy="222395"/>
           </a:xfrm>
           <a:prstGeom prst="ellipse">
@@ -9159,15 +9116,15 @@
         </p:nvCxnSpPr>
         <p:spPr>
           <a:xfrm flipV="1">
-            <a:off x="4228609" y="1444679"/>
+            <a:off x="4588820" y="1444679"/>
             <a:ext cx="2614" cy="241080"/>
           </a:xfrm>
           <a:prstGeom prst="straightConnector1">
             <a:avLst/>
           </a:prstGeom>
-          <a:ln w="19050">
+          <a:ln w="38100">
             <a:solidFill>
-              <a:srgbClr val="7030A0"/>
+              <a:srgbClr val="00B0F0"/>
             </a:solidFill>
           </a:ln>
         </p:spPr>
@@ -9200,15 +9157,15 @@
         </p:nvCxnSpPr>
         <p:spPr>
           <a:xfrm flipV="1">
-            <a:off x="5863409" y="1417309"/>
+            <a:off x="6223620" y="1417309"/>
             <a:ext cx="2614" cy="241080"/>
           </a:xfrm>
           <a:prstGeom prst="straightConnector1">
             <a:avLst/>
           </a:prstGeom>
-          <a:ln w="19050">
+          <a:ln w="38100">
             <a:solidFill>
-              <a:schemeClr val="tx1"/>
+              <a:srgbClr val="00B050"/>
             </a:solidFill>
           </a:ln>
         </p:spPr>
@@ -9241,15 +9198,15 @@
         </p:nvCxnSpPr>
         <p:spPr>
           <a:xfrm flipV="1">
-            <a:off x="7469398" y="1425973"/>
+            <a:off x="7829609" y="1425973"/>
             <a:ext cx="2614" cy="241080"/>
           </a:xfrm>
           <a:prstGeom prst="straightConnector1">
             <a:avLst/>
           </a:prstGeom>
-          <a:ln w="19050">
+          <a:ln w="38100">
             <a:solidFill>
-              <a:srgbClr val="00B050"/>
+              <a:schemeClr val="tx1"/>
             </a:solidFill>
           </a:ln>
         </p:spPr>
@@ -9282,13 +9239,13 @@
         </p:nvCxnSpPr>
         <p:spPr>
           <a:xfrm flipV="1">
-            <a:off x="9112938" y="1431113"/>
+            <a:off x="9473149" y="1431113"/>
             <a:ext cx="2614" cy="241080"/>
           </a:xfrm>
           <a:prstGeom prst="straightConnector1">
             <a:avLst/>
           </a:prstGeom>
-          <a:ln w="19050">
+          <a:ln w="38100">
             <a:solidFill>
               <a:srgbClr val="FFFF00"/>
             </a:solidFill>
@@ -9323,7 +9280,7 @@
         </p:nvCxnSpPr>
         <p:spPr>
           <a:xfrm flipV="1">
-            <a:off x="9014331" y="89697"/>
+            <a:off x="9282182" y="89697"/>
             <a:ext cx="0" cy="972725"/>
           </a:xfrm>
           <a:prstGeom prst="line">
@@ -9364,7 +9321,7 @@
         </p:nvCxnSpPr>
         <p:spPr>
           <a:xfrm flipV="1">
-            <a:off x="7310620" y="92233"/>
+            <a:off x="7578471" y="92233"/>
             <a:ext cx="0" cy="972725"/>
           </a:xfrm>
           <a:prstGeom prst="line">
@@ -9405,7 +9362,7 @@
         </p:nvCxnSpPr>
         <p:spPr>
           <a:xfrm flipV="1">
-            <a:off x="5740889" y="92233"/>
+            <a:off x="6008740" y="92233"/>
             <a:ext cx="0" cy="972725"/>
           </a:xfrm>
           <a:prstGeom prst="line">
@@ -9448,7 +9405,7 @@
         </p:nvCxnSpPr>
         <p:spPr>
           <a:xfrm>
-            <a:off x="9322967" y="1118659"/>
+            <a:off x="9683178" y="1118659"/>
             <a:ext cx="296313" cy="0"/>
           </a:xfrm>
           <a:prstGeom prst="line">
@@ -9491,7 +9448,7 @@
         </p:nvCxnSpPr>
         <p:spPr>
           <a:xfrm>
-            <a:off x="9312394" y="1399901"/>
+            <a:off x="9672605" y="1399901"/>
             <a:ext cx="296313" cy="0"/>
           </a:xfrm>
           <a:prstGeom prst="line">
@@ -9536,7 +9493,7 @@
         </p:nvCxnSpPr>
         <p:spPr>
           <a:xfrm flipV="1">
-            <a:off x="9410917" y="1251933"/>
+            <a:off x="9771128" y="1251933"/>
             <a:ext cx="177159" cy="1737"/>
           </a:xfrm>
           <a:prstGeom prst="line">
@@ -9579,7 +9536,7 @@
         </p:nvCxnSpPr>
         <p:spPr>
           <a:xfrm>
-            <a:off x="7719873" y="1097457"/>
+            <a:off x="8080084" y="1097457"/>
             <a:ext cx="296313" cy="0"/>
           </a:xfrm>
           <a:prstGeom prst="line">
@@ -9622,7 +9579,7 @@
         </p:nvCxnSpPr>
         <p:spPr>
           <a:xfrm>
-            <a:off x="7709300" y="1378699"/>
+            <a:off x="8069511" y="1378699"/>
             <a:ext cx="296313" cy="0"/>
           </a:xfrm>
           <a:prstGeom prst="line">
@@ -9666,7 +9623,7 @@
         </p:nvCxnSpPr>
         <p:spPr>
           <a:xfrm flipV="1">
-            <a:off x="7807823" y="1230731"/>
+            <a:off x="8168034" y="1230731"/>
             <a:ext cx="177159" cy="1737"/>
           </a:xfrm>
           <a:prstGeom prst="line">
@@ -9709,7 +9666,7 @@
         </p:nvCxnSpPr>
         <p:spPr>
           <a:xfrm>
-            <a:off x="6113860" y="1106591"/>
+            <a:off x="6474071" y="1106591"/>
             <a:ext cx="296313" cy="0"/>
           </a:xfrm>
           <a:prstGeom prst="line">
@@ -9752,7 +9709,7 @@
         </p:nvCxnSpPr>
         <p:spPr>
           <a:xfrm>
-            <a:off x="6103287" y="1387833"/>
+            <a:off x="6463498" y="1387833"/>
             <a:ext cx="296313" cy="0"/>
           </a:xfrm>
           <a:prstGeom prst="line">
@@ -9796,7 +9753,7 @@
         </p:nvCxnSpPr>
         <p:spPr>
           <a:xfrm flipV="1">
-            <a:off x="6201810" y="1239865"/>
+            <a:off x="6562021" y="1239865"/>
             <a:ext cx="177159" cy="1737"/>
           </a:xfrm>
           <a:prstGeom prst="line">
@@ -9839,7 +9796,7 @@
         </p:nvCxnSpPr>
         <p:spPr>
           <a:xfrm>
-            <a:off x="4486406" y="1133961"/>
+            <a:off x="4846617" y="1133961"/>
             <a:ext cx="296313" cy="0"/>
           </a:xfrm>
           <a:prstGeom prst="line">
@@ -9882,7 +9839,7 @@
         </p:nvCxnSpPr>
         <p:spPr>
           <a:xfrm>
-            <a:off x="4483453" y="1415203"/>
+            <a:off x="4843664" y="1415203"/>
             <a:ext cx="296313" cy="0"/>
           </a:xfrm>
           <a:prstGeom prst="line">
@@ -9925,7 +9882,7 @@
         </p:nvCxnSpPr>
         <p:spPr>
           <a:xfrm flipV="1">
-            <a:off x="4574356" y="1267235"/>
+            <a:off x="4934567" y="1267235"/>
             <a:ext cx="177159" cy="1737"/>
           </a:xfrm>
           <a:prstGeom prst="line">
@@ -9968,7 +9925,7 @@
         </p:nvCxnSpPr>
         <p:spPr>
           <a:xfrm>
-            <a:off x="4364185" y="521918"/>
+            <a:off x="4724396" y="521918"/>
             <a:ext cx="6036636" cy="18046"/>
           </a:xfrm>
           <a:prstGeom prst="line">
@@ -10011,7 +9968,7 @@
         </p:nvCxnSpPr>
         <p:spPr>
           <a:xfrm>
-            <a:off x="4434574" y="683523"/>
+            <a:off x="4794785" y="683523"/>
             <a:ext cx="5966247" cy="0"/>
           </a:xfrm>
           <a:prstGeom prst="line">
@@ -10052,7 +10009,7 @@
         </p:nvCxnSpPr>
         <p:spPr>
           <a:xfrm flipH="1" flipV="1">
-            <a:off x="4449744" y="670463"/>
+            <a:off x="4809955" y="670463"/>
             <a:ext cx="2644" cy="438411"/>
           </a:xfrm>
           <a:prstGeom prst="line">
@@ -10093,7 +10050,7 @@
         </p:nvCxnSpPr>
         <p:spPr>
           <a:xfrm flipV="1">
-            <a:off x="4381673" y="525185"/>
+            <a:off x="4741884" y="525185"/>
             <a:ext cx="0" cy="572515"/>
           </a:xfrm>
           <a:prstGeom prst="line">
@@ -10134,7 +10091,7 @@
         </p:nvCxnSpPr>
         <p:spPr>
           <a:xfrm flipV="1">
-            <a:off x="6038518" y="664985"/>
+            <a:off x="6398729" y="664985"/>
             <a:ext cx="0" cy="399814"/>
           </a:xfrm>
           <a:prstGeom prst="line">
@@ -10175,7 +10132,7 @@
         </p:nvCxnSpPr>
         <p:spPr>
           <a:xfrm flipV="1">
-            <a:off x="7674076" y="683523"/>
+            <a:off x="8034287" y="683523"/>
             <a:ext cx="0" cy="399814"/>
           </a:xfrm>
           <a:prstGeom prst="line">
@@ -10216,7 +10173,7 @@
         </p:nvCxnSpPr>
         <p:spPr>
           <a:xfrm flipV="1">
-            <a:off x="9260689" y="692116"/>
+            <a:off x="9620900" y="692116"/>
             <a:ext cx="0" cy="399814"/>
           </a:xfrm>
           <a:prstGeom prst="line">
@@ -10257,7 +10214,7 @@
         </p:nvCxnSpPr>
         <p:spPr>
           <a:xfrm flipV="1">
-            <a:off x="5965048" y="519416"/>
+            <a:off x="6325259" y="519416"/>
             <a:ext cx="0" cy="518265"/>
           </a:xfrm>
           <a:prstGeom prst="line">
@@ -10298,7 +10255,7 @@
         </p:nvCxnSpPr>
         <p:spPr>
           <a:xfrm flipV="1">
-            <a:off x="7590146" y="518884"/>
+            <a:off x="7950357" y="518884"/>
             <a:ext cx="5327" cy="552577"/>
           </a:xfrm>
           <a:prstGeom prst="line">
@@ -10339,7 +10296,7 @@
         </p:nvCxnSpPr>
         <p:spPr>
           <a:xfrm flipV="1">
-            <a:off x="9192194" y="539964"/>
+            <a:off x="9552405" y="539964"/>
             <a:ext cx="0" cy="518265"/>
           </a:xfrm>
           <a:prstGeom prst="line">
@@ -10374,7 +10331,7 @@
         </p:nvSpPr>
         <p:spPr>
           <a:xfrm>
-            <a:off x="3876451" y="1062422"/>
+            <a:off x="4236662" y="1062422"/>
             <a:ext cx="697905" cy="409627"/>
           </a:xfrm>
           <a:prstGeom prst="ellipse">
@@ -10422,34 +10379,24 @@
           <a:p>
             <a:pPr algn="ctr"/>
             <a:r>
-              <a:rPr lang="en-US" sz="900">
+              <a:rPr lang="en-US" sz="900" dirty="0">
                 <a:solidFill>
                   <a:schemeClr val="tx1"/>
                 </a:solidFill>
               </a:rPr>
               <a:t>Front </a:t>
             </a:r>
-            <a:endParaRPr lang="en-US" sz="900" dirty="0">
-              <a:solidFill>
-                <a:schemeClr val="tx1"/>
-              </a:solidFill>
-            </a:endParaRPr>
           </a:p>
           <a:p>
             <a:pPr algn="ctr"/>
             <a:r>
-              <a:rPr lang="en-US" sz="900">
+              <a:rPr lang="en-US" sz="900" dirty="0">
                 <a:solidFill>
                   <a:schemeClr val="tx1"/>
                 </a:solidFill>
               </a:rPr>
               <a:t>Left</a:t>
             </a:r>
-            <a:endParaRPr lang="en-US" sz="900" dirty="0">
-              <a:solidFill>
-                <a:schemeClr val="tx1"/>
-              </a:solidFill>
-            </a:endParaRPr>
           </a:p>
         </p:txBody>
       </p:sp>
@@ -10461,7 +10408,7 @@
         </p:nvSpPr>
         <p:spPr>
           <a:xfrm>
-            <a:off x="5511251" y="1035052"/>
+            <a:off x="5871462" y="1035052"/>
             <a:ext cx="697905" cy="409627"/>
           </a:xfrm>
           <a:prstGeom prst="ellipse">
@@ -10527,7 +10474,7 @@
         </p:nvSpPr>
         <p:spPr>
           <a:xfrm>
-            <a:off x="7110416" y="1043716"/>
+            <a:off x="7470627" y="1043716"/>
             <a:ext cx="697905" cy="409627"/>
           </a:xfrm>
           <a:prstGeom prst="ellipse">
@@ -10598,7 +10545,7 @@
         </p:nvSpPr>
         <p:spPr>
           <a:xfrm>
-            <a:off x="8713012" y="1048856"/>
+            <a:off x="9073223" y="1048856"/>
             <a:ext cx="697905" cy="409627"/>
           </a:xfrm>
           <a:prstGeom prst="ellipse">
@@ -10664,7 +10611,7 @@
         </p:nvSpPr>
         <p:spPr>
           <a:xfrm>
-            <a:off x="9588076" y="907884"/>
+            <a:off x="9948287" y="907884"/>
             <a:ext cx="697905" cy="688098"/>
           </a:xfrm>
           <a:prstGeom prst="ellipse">
@@ -10730,7 +10677,7 @@
         </p:nvSpPr>
         <p:spPr>
           <a:xfrm>
-            <a:off x="7984982" y="886682"/>
+            <a:off x="8345193" y="886682"/>
             <a:ext cx="697905" cy="688098"/>
           </a:xfrm>
           <a:prstGeom prst="ellipse">
@@ -10796,7 +10743,7 @@
         </p:nvSpPr>
         <p:spPr>
           <a:xfrm>
-            <a:off x="6378969" y="895816"/>
+            <a:off x="6739180" y="895816"/>
             <a:ext cx="697905" cy="688098"/>
           </a:xfrm>
           <a:prstGeom prst="ellipse">
@@ -10862,7 +10809,7 @@
         </p:nvSpPr>
         <p:spPr>
           <a:xfrm>
-            <a:off x="4765163" y="923186"/>
+            <a:off x="5125374" y="923186"/>
             <a:ext cx="697905" cy="688098"/>
           </a:xfrm>
           <a:prstGeom prst="ellipse">
@@ -11029,7 +10976,7 @@
         </p:nvSpPr>
         <p:spPr>
           <a:xfrm>
-            <a:off x="9657410" y="241751"/>
+            <a:off x="10017621" y="241751"/>
             <a:ext cx="823308" cy="369332"/>
           </a:xfrm>
           <a:prstGeom prst="rect">
@@ -11068,7 +11015,7 @@
         </p:nvSpPr>
         <p:spPr>
           <a:xfrm>
-            <a:off x="10049228" y="625976"/>
+            <a:off x="10409439" y="625976"/>
             <a:ext cx="462161" cy="369332"/>
           </a:xfrm>
           <a:prstGeom prst="rect">
@@ -11476,7 +11423,7 @@
         </p:nvCxnSpPr>
         <p:spPr>
           <a:xfrm flipV="1">
-            <a:off x="4147685" y="89696"/>
+            <a:off x="4415536" y="89696"/>
             <a:ext cx="0" cy="972725"/>
           </a:xfrm>
           <a:prstGeom prst="line">
@@ -13279,6 +13226,439 @@
           </a:fillRef>
           <a:effectRef idx="0">
             <a:scrgbClr r="0" g="0" b="0"/>
+          </a:effectRef>
+          <a:fontRef idx="minor">
+            <a:schemeClr val="tx1"/>
+          </a:fontRef>
+        </p:style>
+      </p:cxnSp>
+      <p:sp>
+        <p:nvSpPr>
+          <p:cNvPr id="11" name="Ellipse 10">
+            <a:extLst>
+              <a:ext uri="{FF2B5EF4-FFF2-40B4-BE49-F238E27FC236}">
+                <a16:creationId xmlns:a16="http://schemas.microsoft.com/office/drawing/2014/main" id="{12CEEE0A-0A7F-477A-1758-0C8600930431}"/>
+              </a:ext>
+            </a:extLst>
+          </p:cNvPr>
+          <p:cNvSpPr/>
+          <p:nvPr/>
+        </p:nvSpPr>
+        <p:spPr>
+          <a:xfrm>
+            <a:off x="3756699" y="2196371"/>
+            <a:ext cx="447558" cy="222395"/>
+          </a:xfrm>
+          <a:prstGeom prst="ellipse">
+            <a:avLst/>
+          </a:prstGeom>
+          <a:solidFill>
+            <a:schemeClr val="bg2">
+              <a:lumMod val="90000"/>
+            </a:schemeClr>
+          </a:solidFill>
+        </p:spPr>
+        <p:style>
+          <a:lnRef idx="2">
+            <a:schemeClr val="accent1">
+              <a:shade val="50000"/>
+            </a:schemeClr>
+          </a:lnRef>
+          <a:fillRef idx="1">
+            <a:schemeClr val="accent1"/>
+          </a:fillRef>
+          <a:effectRef idx="0">
+            <a:schemeClr val="accent1"/>
+          </a:effectRef>
+          <a:fontRef idx="minor">
+            <a:schemeClr val="lt1"/>
+          </a:fontRef>
+        </p:style>
+        <p:txBody>
+          <a:bodyPr rtlCol="0" anchor="ctr"/>
+          <a:lstStyle/>
+          <a:p>
+            <a:pPr algn="ctr"/>
+            <a:r>
+              <a:rPr lang="fr-FR" sz="900" dirty="0">
+                <a:solidFill>
+                  <a:schemeClr val="tx1"/>
+                </a:solidFill>
+              </a:rPr>
+              <a:t>9</a:t>
+            </a:r>
+            <a:endParaRPr lang="en-US" sz="900" dirty="0">
+              <a:solidFill>
+                <a:schemeClr val="tx1"/>
+              </a:solidFill>
+            </a:endParaRPr>
+          </a:p>
+        </p:txBody>
+      </p:sp>
+      <p:sp>
+        <p:nvSpPr>
+          <p:cNvPr id="13" name="Ellipse 12">
+            <a:extLst>
+              <a:ext uri="{FF2B5EF4-FFF2-40B4-BE49-F238E27FC236}">
+                <a16:creationId xmlns:a16="http://schemas.microsoft.com/office/drawing/2014/main" id="{19372880-BB42-4100-26CB-4180C29B5FF6}"/>
+              </a:ext>
+            </a:extLst>
+          </p:cNvPr>
+          <p:cNvSpPr/>
+          <p:nvPr/>
+        </p:nvSpPr>
+        <p:spPr>
+          <a:xfrm>
+            <a:off x="4282479" y="2188751"/>
+            <a:ext cx="447558" cy="222395"/>
+          </a:xfrm>
+          <a:prstGeom prst="ellipse">
+            <a:avLst/>
+          </a:prstGeom>
+          <a:solidFill>
+            <a:schemeClr val="bg2">
+              <a:lumMod val="90000"/>
+            </a:schemeClr>
+          </a:solidFill>
+        </p:spPr>
+        <p:style>
+          <a:lnRef idx="2">
+            <a:schemeClr val="accent1">
+              <a:shade val="50000"/>
+            </a:schemeClr>
+          </a:lnRef>
+          <a:fillRef idx="1">
+            <a:schemeClr val="accent1"/>
+          </a:fillRef>
+          <a:effectRef idx="0">
+            <a:schemeClr val="accent1"/>
+          </a:effectRef>
+          <a:fontRef idx="minor">
+            <a:schemeClr val="lt1"/>
+          </a:fontRef>
+        </p:style>
+        <p:txBody>
+          <a:bodyPr rtlCol="0" anchor="ctr"/>
+          <a:lstStyle/>
+          <a:p>
+            <a:pPr algn="ctr"/>
+            <a:r>
+              <a:rPr lang="fr-FR" sz="900" dirty="0">
+                <a:solidFill>
+                  <a:schemeClr val="tx1"/>
+                </a:solidFill>
+              </a:rPr>
+              <a:t>8</a:t>
+            </a:r>
+            <a:endParaRPr lang="en-US" sz="900" dirty="0">
+              <a:solidFill>
+                <a:schemeClr val="tx1"/>
+              </a:solidFill>
+            </a:endParaRPr>
+          </a:p>
+        </p:txBody>
+      </p:sp>
+      <p:sp>
+        <p:nvSpPr>
+          <p:cNvPr id="15" name="Ellipse 14">
+            <a:extLst>
+              <a:ext uri="{FF2B5EF4-FFF2-40B4-BE49-F238E27FC236}">
+                <a16:creationId xmlns:a16="http://schemas.microsoft.com/office/drawing/2014/main" id="{AB95A53F-203E-6989-81C1-549D1894047C}"/>
+              </a:ext>
+            </a:extLst>
+          </p:cNvPr>
+          <p:cNvSpPr/>
+          <p:nvPr/>
+        </p:nvSpPr>
+        <p:spPr>
+          <a:xfrm>
+            <a:off x="4251961" y="2659380"/>
+            <a:ext cx="525779" cy="457200"/>
+          </a:xfrm>
+          <a:prstGeom prst="ellipse">
+            <a:avLst/>
+          </a:prstGeom>
+          <a:solidFill>
+            <a:srgbClr val="FF0000"/>
+          </a:solidFill>
+          <a:ln>
+            <a:solidFill>
+              <a:srgbClr val="00B050"/>
+            </a:solidFill>
+          </a:ln>
+        </p:spPr>
+        <p:style>
+          <a:lnRef idx="2">
+            <a:schemeClr val="accent1">
+              <a:shade val="50000"/>
+            </a:schemeClr>
+          </a:lnRef>
+          <a:fillRef idx="1">
+            <a:schemeClr val="accent1"/>
+          </a:fillRef>
+          <a:effectRef idx="0">
+            <a:schemeClr val="accent1"/>
+          </a:effectRef>
+          <a:fontRef idx="minor">
+            <a:schemeClr val="lt1"/>
+          </a:fontRef>
+        </p:style>
+        <p:txBody>
+          <a:bodyPr rtlCol="0" anchor="ctr"/>
+          <a:lstStyle/>
+          <a:p>
+            <a:pPr algn="ctr"/>
+            <a:r>
+              <a:rPr lang="en-US" sz="900" dirty="0">
+                <a:solidFill>
+                  <a:schemeClr val="tx1"/>
+                </a:solidFill>
+              </a:rPr>
+              <a:t>Led</a:t>
+            </a:r>
+          </a:p>
+          <a:p>
+            <a:pPr algn="ctr"/>
+            <a:r>
+              <a:rPr lang="en-US" sz="900" dirty="0">
+                <a:solidFill>
+                  <a:schemeClr val="tx1"/>
+                </a:solidFill>
+              </a:rPr>
+              <a:t>Init</a:t>
+            </a:r>
+          </a:p>
+        </p:txBody>
+      </p:sp>
+      <p:sp>
+        <p:nvSpPr>
+          <p:cNvPr id="16" name="Ellipse 15">
+            <a:extLst>
+              <a:ext uri="{FF2B5EF4-FFF2-40B4-BE49-F238E27FC236}">
+                <a16:creationId xmlns:a16="http://schemas.microsoft.com/office/drawing/2014/main" id="{EA3128C7-430B-EEAF-3DEC-1618FCF7E5E9}"/>
+              </a:ext>
+            </a:extLst>
+          </p:cNvPr>
+          <p:cNvSpPr/>
+          <p:nvPr/>
+        </p:nvSpPr>
+        <p:spPr>
+          <a:xfrm>
+            <a:off x="7623027" y="1196116"/>
+            <a:ext cx="697905" cy="409627"/>
+          </a:xfrm>
+          <a:prstGeom prst="ellipse">
+            <a:avLst/>
+          </a:prstGeom>
+          <a:solidFill>
+            <a:srgbClr val="FF0000"/>
+          </a:solidFill>
+          <a:ln>
+            <a:solidFill>
+              <a:srgbClr val="00B050"/>
+            </a:solidFill>
+          </a:ln>
+        </p:spPr>
+        <p:style>
+          <a:lnRef idx="2">
+            <a:schemeClr val="accent1">
+              <a:shade val="50000"/>
+            </a:schemeClr>
+          </a:lnRef>
+          <a:fillRef idx="1">
+            <a:schemeClr val="accent1"/>
+          </a:fillRef>
+          <a:effectRef idx="0">
+            <a:schemeClr val="accent1"/>
+          </a:effectRef>
+          <a:fontRef idx="minor">
+            <a:schemeClr val="lt1"/>
+          </a:fontRef>
+        </p:style>
+        <p:txBody>
+          <a:bodyPr rtlCol="0" anchor="ctr"/>
+          <a:lstStyle/>
+          <a:p>
+            <a:pPr algn="ctr"/>
+            <a:r>
+              <a:rPr lang="en-US" sz="900" dirty="0">
+                <a:solidFill>
+                  <a:schemeClr val="tx1"/>
+                </a:solidFill>
+              </a:rPr>
+              <a:t>ESC</a:t>
+            </a:r>
+          </a:p>
+          <a:p>
+            <a:pPr algn="ctr"/>
+            <a:r>
+              <a:rPr lang="en-US" sz="900">
+                <a:solidFill>
+                  <a:schemeClr val="tx1"/>
+                </a:solidFill>
+              </a:rPr>
+              <a:t>Rear Right</a:t>
+            </a:r>
+            <a:endParaRPr lang="en-US" sz="900" dirty="0">
+              <a:solidFill>
+                <a:schemeClr val="tx1"/>
+              </a:solidFill>
+            </a:endParaRPr>
+          </a:p>
+        </p:txBody>
+      </p:sp>
+      <p:sp>
+        <p:nvSpPr>
+          <p:cNvPr id="18" name="Ellipse 17">
+            <a:extLst>
+              <a:ext uri="{FF2B5EF4-FFF2-40B4-BE49-F238E27FC236}">
+                <a16:creationId xmlns:a16="http://schemas.microsoft.com/office/drawing/2014/main" id="{95C8754A-2216-4D64-5685-7BDE23F68AA0}"/>
+              </a:ext>
+            </a:extLst>
+          </p:cNvPr>
+          <p:cNvSpPr/>
+          <p:nvPr/>
+        </p:nvSpPr>
+        <p:spPr>
+          <a:xfrm>
+            <a:off x="3645387" y="2651760"/>
+            <a:ext cx="591333" cy="487680"/>
+          </a:xfrm>
+          <a:prstGeom prst="ellipse">
+            <a:avLst/>
+          </a:prstGeom>
+          <a:solidFill>
+            <a:srgbClr val="FF0000"/>
+          </a:solidFill>
+          <a:ln>
+            <a:solidFill>
+              <a:srgbClr val="00B050"/>
+            </a:solidFill>
+          </a:ln>
+        </p:spPr>
+        <p:style>
+          <a:lnRef idx="2">
+            <a:schemeClr val="accent1">
+              <a:shade val="50000"/>
+            </a:schemeClr>
+          </a:lnRef>
+          <a:fillRef idx="1">
+            <a:schemeClr val="accent1"/>
+          </a:fillRef>
+          <a:effectRef idx="0">
+            <a:schemeClr val="accent1"/>
+          </a:effectRef>
+          <a:fontRef idx="minor">
+            <a:schemeClr val="lt1"/>
+          </a:fontRef>
+        </p:style>
+        <p:txBody>
+          <a:bodyPr rtlCol="0" anchor="ctr"/>
+          <a:lstStyle/>
+          <a:p>
+            <a:pPr algn="ctr"/>
+            <a:r>
+              <a:rPr lang="en-US" sz="900" dirty="0">
+                <a:solidFill>
+                  <a:schemeClr val="tx1"/>
+                </a:solidFill>
+              </a:rPr>
+              <a:t>Led</a:t>
+            </a:r>
+          </a:p>
+          <a:p>
+            <a:pPr algn="ctr"/>
+            <a:r>
+              <a:rPr lang="en-US" sz="900" dirty="0">
+                <a:solidFill>
+                  <a:schemeClr val="tx1"/>
+                </a:solidFill>
+              </a:rPr>
+              <a:t>Running</a:t>
+            </a:r>
+          </a:p>
+        </p:txBody>
+      </p:sp>
+      <p:cxnSp>
+        <p:nvCxnSpPr>
+          <p:cNvPr id="19" name="Connecteur droit avec flèche 18">
+            <a:extLst>
+              <a:ext uri="{FF2B5EF4-FFF2-40B4-BE49-F238E27FC236}">
+                <a16:creationId xmlns:a16="http://schemas.microsoft.com/office/drawing/2014/main" id="{E4283355-B3DD-976D-61B4-620714677E9C}"/>
+              </a:ext>
+            </a:extLst>
+          </p:cNvPr>
+          <p:cNvCxnSpPr>
+            <a:cxnSpLocks/>
+          </p:cNvCxnSpPr>
+          <p:nvPr/>
+        </p:nvCxnSpPr>
+        <p:spPr>
+          <a:xfrm flipV="1">
+            <a:off x="3956360" y="2404799"/>
+            <a:ext cx="2614" cy="241080"/>
+          </a:xfrm>
+          <a:prstGeom prst="straightConnector1">
+            <a:avLst/>
+          </a:prstGeom>
+          <a:ln w="38100">
+            <a:solidFill>
+              <a:srgbClr val="00B0F0"/>
+            </a:solidFill>
+          </a:ln>
+        </p:spPr>
+        <p:style>
+          <a:lnRef idx="1">
+            <a:schemeClr val="accent1"/>
+          </a:lnRef>
+          <a:fillRef idx="0">
+            <a:schemeClr val="accent1"/>
+          </a:fillRef>
+          <a:effectRef idx="0">
+            <a:schemeClr val="accent1"/>
+          </a:effectRef>
+          <a:fontRef idx="minor">
+            <a:schemeClr val="tx1"/>
+          </a:fontRef>
+        </p:style>
+      </p:cxnSp>
+      <p:cxnSp>
+        <p:nvCxnSpPr>
+          <p:cNvPr id="21" name="Connecteur droit avec flèche 20">
+            <a:extLst>
+              <a:ext uri="{FF2B5EF4-FFF2-40B4-BE49-F238E27FC236}">
+                <a16:creationId xmlns:a16="http://schemas.microsoft.com/office/drawing/2014/main" id="{0B8582B3-455F-A236-11AC-EE28A7DDF985}"/>
+              </a:ext>
+            </a:extLst>
+          </p:cNvPr>
+          <p:cNvCxnSpPr>
+            <a:cxnSpLocks/>
+          </p:cNvCxnSpPr>
+          <p:nvPr/>
+        </p:nvCxnSpPr>
+        <p:spPr>
+          <a:xfrm flipV="1">
+            <a:off x="4512620" y="2404799"/>
+            <a:ext cx="2614" cy="241080"/>
+          </a:xfrm>
+          <a:prstGeom prst="straightConnector1">
+            <a:avLst/>
+          </a:prstGeom>
+          <a:ln w="38100">
+            <a:solidFill>
+              <a:srgbClr val="00B050"/>
+            </a:solidFill>
+          </a:ln>
+        </p:spPr>
+        <p:style>
+          <a:lnRef idx="1">
+            <a:schemeClr val="accent1"/>
+          </a:lnRef>
+          <a:fillRef idx="0">
+            <a:schemeClr val="accent1"/>
+          </a:fillRef>
+          <a:effectRef idx="0">
+            <a:schemeClr val="accent1"/>
           </a:effectRef>
           <a:fontRef idx="minor">
             <a:schemeClr val="tx1"/>
@@ -17202,14 +17582,14 @@
             <p:ph idx="1"/>
             <p:extLst>
               <p:ext uri="{D42A27DB-BD31-4B8C-83A1-F6EECF244321}">
-                <p14:modId xmlns:p14="http://schemas.microsoft.com/office/powerpoint/2010/main" val="2334709177"/>
+                <p14:modId xmlns:p14="http://schemas.microsoft.com/office/powerpoint/2010/main" val="1597615548"/>
               </p:ext>
             </p:extLst>
           </p:nvPr>
         </p:nvGraphicFramePr>
         <p:xfrm>
           <a:off x="838200" y="1410759"/>
-          <a:ext cx="8954138" cy="2204720"/>
+          <a:ext cx="8954138" cy="2473960"/>
         </p:xfrm>
         <a:graphic>
           <a:graphicData uri="http://schemas.openxmlformats.org/drawingml/2006/table">
@@ -17437,7 +17817,13 @@
                     <a:p>
                       <a:r>
                         <a:rPr lang="en-US" noProof="0" dirty="0"/>
-                        <a:t>MEGA2560 built in Led</a:t>
+                        <a:t>Led Init</a:t>
+                      </a:r>
+                    </a:p>
+                    <a:p>
+                      <a:r>
+                        <a:rPr lang="en-US" noProof="0" dirty="0"/>
+                        <a:t>Led Running</a:t>
                       </a:r>
                     </a:p>
                   </a:txBody>
@@ -17480,7 +17866,38 @@
                       </a:pPr>
                       <a:r>
                         <a:rPr lang="en-US" noProof="0" dirty="0"/>
-                        <a:t>built in Led: pin D13</a:t>
+                        <a:t>pin D8</a:t>
+                      </a:r>
+                    </a:p>
+                    <a:p>
+                      <a:pPr marL="0" marR="0" lvl="0" indent="0" algn="l" defTabSz="914400" rtl="0" eaLnBrk="1" fontAlgn="auto" latinLnBrk="0" hangingPunct="1">
+                        <a:lnSpc>
+                          <a:spcPct val="100000"/>
+                        </a:lnSpc>
+                        <a:spcBef>
+                          <a:spcPts val="0"/>
+                        </a:spcBef>
+                        <a:spcAft>
+                          <a:spcPts val="0"/>
+                        </a:spcAft>
+                        <a:buClrTx/>
+                        <a:buSzTx/>
+                        <a:buFontTx/>
+                        <a:buNone/>
+                        <a:tabLst/>
+                        <a:defRPr/>
+                      </a:pPr>
+                      <a:r>
+                        <a:rPr lang="en-US" noProof="0" dirty="0"/>
+                        <a:t>p</a:t>
+                      </a:r>
+                      <a:r>
+                        <a:rPr lang="en-US" noProof="0"/>
+                        <a:t>in </a:t>
+                      </a:r>
+                      <a:r>
+                        <a:rPr lang="en-US" noProof="0" dirty="0"/>
+                        <a:t>D9</a:t>
                       </a:r>
                     </a:p>
                   </a:txBody>

--- a/libraries/Diagramm Drone3.pptx
+++ b/libraries/Diagramm Drone3.pptx
@@ -8,10 +8,10 @@
     <p:sldId id="259" r:id="rId2"/>
     <p:sldId id="261" r:id="rId3"/>
     <p:sldId id="262" r:id="rId4"/>
-    <p:sldId id="272" r:id="rId5"/>
-    <p:sldId id="291" r:id="rId6"/>
-    <p:sldId id="270" r:id="rId7"/>
-    <p:sldId id="271" r:id="rId8"/>
+    <p:sldId id="292" r:id="rId5"/>
+    <p:sldId id="260" r:id="rId6"/>
+    <p:sldId id="293" r:id="rId7"/>
+    <p:sldId id="272" r:id="rId8"/>
     <p:sldId id="275" r:id="rId9"/>
     <p:sldId id="277" r:id="rId10"/>
     <p:sldId id="289" r:id="rId11"/>
@@ -22,7 +22,6 @@
     <p:sldId id="284" r:id="rId16"/>
     <p:sldId id="282" r:id="rId17"/>
     <p:sldId id="283" r:id="rId18"/>
-    <p:sldId id="260" r:id="rId19"/>
   </p:sldIdLst>
   <p:sldSz cx="12192000" cy="6858000"/>
   <p:notesSz cx="6888163" cy="10020300"/>
@@ -3728,7 +3727,7 @@
           <a:p>
             <a:fld id="{0717AEF8-1597-4679-8926-916E82E12B07}" type="datetimeFigureOut">
               <a:rPr lang="fr-FR" smtClean="0"/>
-              <a:t>16/12/2024</a:t>
+              <a:t>21/12/2024</a:t>
             </a:fld>
             <a:endParaRPr lang="fr-FR"/>
           </a:p>
@@ -3926,7 +3925,7 @@
           <a:p>
             <a:fld id="{0717AEF8-1597-4679-8926-916E82E12B07}" type="datetimeFigureOut">
               <a:rPr lang="fr-FR" smtClean="0"/>
-              <a:t>16/12/2024</a:t>
+              <a:t>21/12/2024</a:t>
             </a:fld>
             <a:endParaRPr lang="fr-FR"/>
           </a:p>
@@ -4134,7 +4133,7 @@
           <a:p>
             <a:fld id="{0717AEF8-1597-4679-8926-916E82E12B07}" type="datetimeFigureOut">
               <a:rPr lang="fr-FR" smtClean="0"/>
-              <a:t>16/12/2024</a:t>
+              <a:t>21/12/2024</a:t>
             </a:fld>
             <a:endParaRPr lang="fr-FR"/>
           </a:p>
@@ -4332,7 +4331,7 @@
           <a:p>
             <a:fld id="{0717AEF8-1597-4679-8926-916E82E12B07}" type="datetimeFigureOut">
               <a:rPr lang="fr-FR" smtClean="0"/>
-              <a:t>16/12/2024</a:t>
+              <a:t>21/12/2024</a:t>
             </a:fld>
             <a:endParaRPr lang="fr-FR"/>
           </a:p>
@@ -4607,7 +4606,7 @@
           <a:p>
             <a:fld id="{0717AEF8-1597-4679-8926-916E82E12B07}" type="datetimeFigureOut">
               <a:rPr lang="fr-FR" smtClean="0"/>
-              <a:t>16/12/2024</a:t>
+              <a:t>21/12/2024</a:t>
             </a:fld>
             <a:endParaRPr lang="fr-FR"/>
           </a:p>
@@ -4872,7 +4871,7 @@
           <a:p>
             <a:fld id="{0717AEF8-1597-4679-8926-916E82E12B07}" type="datetimeFigureOut">
               <a:rPr lang="fr-FR" smtClean="0"/>
-              <a:t>16/12/2024</a:t>
+              <a:t>21/12/2024</a:t>
             </a:fld>
             <a:endParaRPr lang="fr-FR"/>
           </a:p>
@@ -5284,7 +5283,7 @@
           <a:p>
             <a:fld id="{0717AEF8-1597-4679-8926-916E82E12B07}" type="datetimeFigureOut">
               <a:rPr lang="fr-FR" smtClean="0"/>
-              <a:t>16/12/2024</a:t>
+              <a:t>21/12/2024</a:t>
             </a:fld>
             <a:endParaRPr lang="fr-FR"/>
           </a:p>
@@ -5425,7 +5424,7 @@
           <a:p>
             <a:fld id="{0717AEF8-1597-4679-8926-916E82E12B07}" type="datetimeFigureOut">
               <a:rPr lang="fr-FR" smtClean="0"/>
-              <a:t>16/12/2024</a:t>
+              <a:t>21/12/2024</a:t>
             </a:fld>
             <a:endParaRPr lang="fr-FR"/>
           </a:p>
@@ -5538,7 +5537,7 @@
           <a:p>
             <a:fld id="{0717AEF8-1597-4679-8926-916E82E12B07}" type="datetimeFigureOut">
               <a:rPr lang="fr-FR" smtClean="0"/>
-              <a:t>16/12/2024</a:t>
+              <a:t>21/12/2024</a:t>
             </a:fld>
             <a:endParaRPr lang="fr-FR"/>
           </a:p>
@@ -5849,7 +5848,7 @@
           <a:p>
             <a:fld id="{0717AEF8-1597-4679-8926-916E82E12B07}" type="datetimeFigureOut">
               <a:rPr lang="fr-FR" smtClean="0"/>
-              <a:t>16/12/2024</a:t>
+              <a:t>21/12/2024</a:t>
             </a:fld>
             <a:endParaRPr lang="fr-FR"/>
           </a:p>
@@ -6137,7 +6136,7 @@
           <a:p>
             <a:fld id="{0717AEF8-1597-4679-8926-916E82E12B07}" type="datetimeFigureOut">
               <a:rPr lang="fr-FR" smtClean="0"/>
-              <a:t>16/12/2024</a:t>
+              <a:t>21/12/2024</a:t>
             </a:fld>
             <a:endParaRPr lang="fr-FR"/>
           </a:p>
@@ -6378,7 +6377,7 @@
           <a:p>
             <a:fld id="{0717AEF8-1597-4679-8926-916E82E12B07}" type="datetimeFigureOut">
               <a:rPr lang="fr-FR" smtClean="0"/>
-              <a:t>16/12/2024</a:t>
+              <a:t>21/12/2024</a:t>
             </a:fld>
             <a:endParaRPr lang="fr-FR"/>
           </a:p>
@@ -7337,7 +7336,7 @@
                   <a:schemeClr val="tx1"/>
                 </a:solidFill>
               </a:rPr>
-              <a:t>44</a:t>
+              <a:t>24</a:t>
             </a:r>
             <a:endParaRPr lang="en-US" sz="900" dirty="0">
               <a:solidFill>
@@ -7361,7 +7360,7 @@
         </p:nvSpPr>
         <p:spPr>
           <a:xfrm>
-            <a:off x="9246165" y="1674502"/>
+            <a:off x="9251608" y="1674502"/>
             <a:ext cx="447558" cy="222395"/>
           </a:xfrm>
           <a:prstGeom prst="ellipse">
@@ -7400,7 +7399,7 @@
                   <a:schemeClr val="tx1"/>
                 </a:solidFill>
               </a:rPr>
-              <a:t>45</a:t>
+              <a:t>25</a:t>
             </a:r>
             <a:endParaRPr lang="en-US" sz="900" dirty="0">
               <a:solidFill>
@@ -7463,7 +7462,7 @@
                   <a:schemeClr val="tx1"/>
                 </a:solidFill>
               </a:rPr>
-              <a:t>43</a:t>
+              <a:t>23</a:t>
             </a:r>
             <a:endParaRPr lang="en-US" sz="900" dirty="0">
               <a:solidFill>
@@ -7487,7 +7486,7 @@
         </p:nvSpPr>
         <p:spPr>
           <a:xfrm>
-            <a:off x="4358679" y="1693451"/>
+            <a:off x="4361400" y="1688915"/>
             <a:ext cx="447558" cy="222395"/>
           </a:xfrm>
           <a:prstGeom prst="ellipse">
@@ -7526,7 +7525,7 @@
                   <a:schemeClr val="tx1"/>
                 </a:solidFill>
               </a:rPr>
-              <a:t>42</a:t>
+              <a:t>22</a:t>
             </a:r>
             <a:endParaRPr lang="en-US" sz="900" dirty="0">
               <a:solidFill>
@@ -9124,7 +9123,7 @@
           </a:prstGeom>
           <a:ln w="38100">
             <a:solidFill>
-              <a:srgbClr val="00B0F0"/>
+              <a:schemeClr val="tx1"/>
             </a:solidFill>
           </a:ln>
         </p:spPr>
@@ -9165,7 +9164,7 @@
           </a:prstGeom>
           <a:ln w="38100">
             <a:solidFill>
-              <a:srgbClr val="00B050"/>
+              <a:srgbClr val="00B0F0"/>
             </a:solidFill>
           </a:ln>
         </p:spPr>
@@ -9206,7 +9205,7 @@
           </a:prstGeom>
           <a:ln w="38100">
             <a:solidFill>
-              <a:schemeClr val="tx1"/>
+              <a:srgbClr val="00B050"/>
             </a:solidFill>
           </a:ln>
         </p:spPr>
@@ -10338,11 +10337,11 @@
             <a:avLst/>
           </a:prstGeom>
           <a:solidFill>
-            <a:srgbClr val="FF0000"/>
+            <a:srgbClr val="00B050"/>
           </a:solidFill>
           <a:ln>
             <a:solidFill>
-              <a:srgbClr val="00B050"/>
+              <a:srgbClr val="FF0000"/>
             </a:solidFill>
           </a:ln>
         </p:spPr>
@@ -10390,13 +10389,18 @@
           <a:p>
             <a:pPr algn="ctr"/>
             <a:r>
-              <a:rPr lang="en-US" sz="900" dirty="0">
+              <a:rPr lang="en-US" sz="900">
                 <a:solidFill>
                   <a:schemeClr val="tx1"/>
                 </a:solidFill>
               </a:rPr>
-              <a:t>Left</a:t>
-            </a:r>
+              <a:t>Right</a:t>
+            </a:r>
+            <a:endParaRPr lang="en-US" sz="900" dirty="0">
+              <a:solidFill>
+                <a:schemeClr val="tx1"/>
+              </a:solidFill>
+            </a:endParaRPr>
           </a:p>
         </p:txBody>
       </p:sp>
@@ -10461,7 +10465,7 @@
                   <a:schemeClr val="tx1"/>
                 </a:solidFill>
               </a:rPr>
-              <a:t>Rear Left</a:t>
+              <a:t>Rear Right</a:t>
             </a:r>
           </a:p>
         </p:txBody>
@@ -10475,77 +10479,6 @@
         <p:spPr>
           <a:xfrm>
             <a:off x="7470627" y="1043716"/>
-            <a:ext cx="697905" cy="409627"/>
-          </a:xfrm>
-          <a:prstGeom prst="ellipse">
-            <a:avLst/>
-          </a:prstGeom>
-          <a:solidFill>
-            <a:srgbClr val="FF0000"/>
-          </a:solidFill>
-          <a:ln>
-            <a:solidFill>
-              <a:srgbClr val="00B050"/>
-            </a:solidFill>
-          </a:ln>
-        </p:spPr>
-        <p:style>
-          <a:lnRef idx="2">
-            <a:schemeClr val="accent1">
-              <a:shade val="50000"/>
-            </a:schemeClr>
-          </a:lnRef>
-          <a:fillRef idx="1">
-            <a:schemeClr val="accent1"/>
-          </a:fillRef>
-          <a:effectRef idx="0">
-            <a:schemeClr val="accent1"/>
-          </a:effectRef>
-          <a:fontRef idx="minor">
-            <a:schemeClr val="lt1"/>
-          </a:fontRef>
-        </p:style>
-        <p:txBody>
-          <a:bodyPr rtlCol="0" anchor="ctr"/>
-          <a:lstStyle/>
-          <a:p>
-            <a:pPr algn="ctr"/>
-            <a:r>
-              <a:rPr lang="en-US" sz="900" dirty="0">
-                <a:solidFill>
-                  <a:schemeClr val="tx1"/>
-                </a:solidFill>
-              </a:rPr>
-              <a:t>ESC</a:t>
-            </a:r>
-          </a:p>
-          <a:p>
-            <a:pPr algn="ctr"/>
-            <a:r>
-              <a:rPr lang="en-US" sz="900">
-                <a:solidFill>
-                  <a:schemeClr val="tx1"/>
-                </a:solidFill>
-              </a:rPr>
-              <a:t>Rear Right</a:t>
-            </a:r>
-            <a:endParaRPr lang="en-US" sz="900" dirty="0">
-              <a:solidFill>
-                <a:schemeClr val="tx1"/>
-              </a:solidFill>
-            </a:endParaRPr>
-          </a:p>
-        </p:txBody>
-      </p:sp>
-      <p:sp>
-        <p:nvSpPr>
-          <p:cNvPr id="106" name="Ellipse 105"/>
-          <p:cNvSpPr/>
-          <p:nvPr/>
-        </p:nvSpPr>
-        <p:spPr>
-          <a:xfrm>
-            <a:off x="9073223" y="1048856"/>
             <a:ext cx="697905" cy="409627"/>
           </a:xfrm>
           <a:prstGeom prst="ellipse">
@@ -10598,21 +10531,21 @@
                   <a:schemeClr val="tx1"/>
                 </a:solidFill>
               </a:rPr>
-              <a:t>Front Right</a:t>
+              <a:t>Rear Left</a:t>
             </a:r>
           </a:p>
         </p:txBody>
       </p:sp>
       <p:sp>
         <p:nvSpPr>
-          <p:cNvPr id="123" name="Ellipse 122"/>
+          <p:cNvPr id="106" name="Ellipse 105"/>
           <p:cNvSpPr/>
           <p:nvPr/>
         </p:nvSpPr>
         <p:spPr>
           <a:xfrm>
-            <a:off x="9948287" y="907884"/>
-            <a:ext cx="697905" cy="688098"/>
+            <a:off x="9073223" y="1048856"/>
+            <a:ext cx="697905" cy="409627"/>
           </a:xfrm>
           <a:prstGeom prst="ellipse">
             <a:avLst/>
@@ -10653,7 +10586,7 @@
                   <a:schemeClr val="tx1"/>
                 </a:solidFill>
               </a:rPr>
-              <a:t>Motor</a:t>
+              <a:t>ESC</a:t>
             </a:r>
           </a:p>
           <a:p>
@@ -10664,86 +10597,20 @@
                   <a:schemeClr val="tx1"/>
                 </a:solidFill>
               </a:rPr>
-              <a:t>Front  Right (0)</a:t>
+              <a:t>Front Left</a:t>
             </a:r>
           </a:p>
         </p:txBody>
       </p:sp>
       <p:sp>
         <p:nvSpPr>
-          <p:cNvPr id="133" name="Ellipse 132"/>
+          <p:cNvPr id="123" name="Ellipse 122"/>
           <p:cNvSpPr/>
           <p:nvPr/>
         </p:nvSpPr>
         <p:spPr>
           <a:xfrm>
-            <a:off x="8345193" y="886682"/>
-            <a:ext cx="697905" cy="688098"/>
-          </a:xfrm>
-          <a:prstGeom prst="ellipse">
-            <a:avLst/>
-          </a:prstGeom>
-          <a:solidFill>
-            <a:srgbClr val="FF0000"/>
-          </a:solidFill>
-          <a:ln>
-            <a:solidFill>
-              <a:srgbClr val="00B050"/>
-            </a:solidFill>
-          </a:ln>
-        </p:spPr>
-        <p:style>
-          <a:lnRef idx="2">
-            <a:schemeClr val="accent1">
-              <a:shade val="50000"/>
-            </a:schemeClr>
-          </a:lnRef>
-          <a:fillRef idx="1">
-            <a:schemeClr val="accent1"/>
-          </a:fillRef>
-          <a:effectRef idx="0">
-            <a:schemeClr val="accent1"/>
-          </a:effectRef>
-          <a:fontRef idx="minor">
-            <a:schemeClr val="lt1"/>
-          </a:fontRef>
-        </p:style>
-        <p:txBody>
-          <a:bodyPr rtlCol="0" anchor="ctr"/>
-          <a:lstStyle/>
-          <a:p>
-            <a:pPr algn="ctr"/>
-            <a:r>
-              <a:rPr lang="en-US" sz="900" dirty="0">
-                <a:solidFill>
-                  <a:schemeClr val="tx1"/>
-                </a:solidFill>
-              </a:rPr>
-              <a:t>Motor</a:t>
-            </a:r>
-          </a:p>
-          <a:p>
-            <a:pPr algn="ctr"/>
-            <a:r>
-              <a:rPr lang="en-US" sz="900" dirty="0">
-                <a:solidFill>
-                  <a:schemeClr val="tx1"/>
-                </a:solidFill>
-              </a:rPr>
-              <a:t>Rear Right (1)</a:t>
-            </a:r>
-          </a:p>
-        </p:txBody>
-      </p:sp>
-      <p:sp>
-        <p:nvSpPr>
-          <p:cNvPr id="137" name="Ellipse 136"/>
-          <p:cNvSpPr/>
-          <p:nvPr/>
-        </p:nvSpPr>
-        <p:spPr>
-          <a:xfrm>
-            <a:off x="6739180" y="895816"/>
+            <a:off x="9948287" y="907884"/>
             <a:ext cx="697905" cy="688098"/>
           </a:xfrm>
           <a:prstGeom prst="ellipse">
@@ -10796,7 +10663,144 @@
                   <a:schemeClr val="tx1"/>
                 </a:solidFill>
               </a:rPr>
-              <a:t>Rear  Left (2)</a:t>
+              <a:t>Front  Left (3)</a:t>
+            </a:r>
+          </a:p>
+        </p:txBody>
+      </p:sp>
+      <p:sp>
+        <p:nvSpPr>
+          <p:cNvPr id="133" name="Ellipse 132"/>
+          <p:cNvSpPr/>
+          <p:nvPr/>
+        </p:nvSpPr>
+        <p:spPr>
+          <a:xfrm>
+            <a:off x="8345193" y="886682"/>
+            <a:ext cx="697905" cy="688098"/>
+          </a:xfrm>
+          <a:prstGeom prst="ellipse">
+            <a:avLst/>
+          </a:prstGeom>
+          <a:solidFill>
+            <a:srgbClr val="00B050"/>
+          </a:solidFill>
+          <a:ln>
+            <a:solidFill>
+              <a:srgbClr val="FF0000"/>
+            </a:solidFill>
+          </a:ln>
+        </p:spPr>
+        <p:style>
+          <a:lnRef idx="2">
+            <a:schemeClr val="accent1">
+              <a:shade val="50000"/>
+            </a:schemeClr>
+          </a:lnRef>
+          <a:fillRef idx="1">
+            <a:schemeClr val="accent1"/>
+          </a:fillRef>
+          <a:effectRef idx="0">
+            <a:schemeClr val="accent1"/>
+          </a:effectRef>
+          <a:fontRef idx="minor">
+            <a:schemeClr val="lt1"/>
+          </a:fontRef>
+        </p:style>
+        <p:txBody>
+          <a:bodyPr rtlCol="0" anchor="ctr"/>
+          <a:lstStyle/>
+          <a:p>
+            <a:pPr algn="ctr"/>
+            <a:r>
+              <a:rPr lang="en-US" sz="900" dirty="0">
+                <a:solidFill>
+                  <a:schemeClr val="tx1"/>
+                </a:solidFill>
+              </a:rPr>
+              <a:t>Motor</a:t>
+            </a:r>
+          </a:p>
+          <a:p>
+            <a:pPr algn="ctr"/>
+            <a:r>
+              <a:rPr lang="en-US" sz="900">
+                <a:solidFill>
+                  <a:schemeClr val="tx1"/>
+                </a:solidFill>
+              </a:rPr>
+              <a:t>Rear Left (2)</a:t>
+            </a:r>
+            <a:endParaRPr lang="en-US" sz="900" dirty="0">
+              <a:solidFill>
+                <a:schemeClr val="tx1"/>
+              </a:solidFill>
+            </a:endParaRPr>
+          </a:p>
+        </p:txBody>
+      </p:sp>
+      <p:sp>
+        <p:nvSpPr>
+          <p:cNvPr id="137" name="Ellipse 136"/>
+          <p:cNvSpPr/>
+          <p:nvPr/>
+        </p:nvSpPr>
+        <p:spPr>
+          <a:xfrm>
+            <a:off x="6739180" y="895816"/>
+            <a:ext cx="697905" cy="688098"/>
+          </a:xfrm>
+          <a:prstGeom prst="ellipse">
+            <a:avLst/>
+          </a:prstGeom>
+          <a:solidFill>
+            <a:srgbClr val="00B050"/>
+          </a:solidFill>
+          <a:ln>
+            <a:solidFill>
+              <a:srgbClr val="FF0000"/>
+            </a:solidFill>
+          </a:ln>
+        </p:spPr>
+        <p:style>
+          <a:lnRef idx="2">
+            <a:schemeClr val="accent1">
+              <a:shade val="50000"/>
+            </a:schemeClr>
+          </a:lnRef>
+          <a:fillRef idx="1">
+            <a:schemeClr val="accent1"/>
+          </a:fillRef>
+          <a:effectRef idx="0">
+            <a:schemeClr val="accent1"/>
+          </a:effectRef>
+          <a:fontRef idx="minor">
+            <a:schemeClr val="lt1"/>
+          </a:fontRef>
+        </p:style>
+        <p:txBody>
+          <a:bodyPr rtlCol="0" anchor="ctr"/>
+          <a:lstStyle/>
+          <a:p>
+            <a:pPr algn="ctr"/>
+            <a:r>
+              <a:rPr lang="en-US" sz="900" dirty="0">
+                <a:solidFill>
+                  <a:schemeClr val="tx1"/>
+                </a:solidFill>
+              </a:rPr>
+              <a:t>Motor</a:t>
+            </a:r>
+          </a:p>
+          <a:p>
+            <a:pPr algn="ctr"/>
+            <a:r>
+              <a:rPr lang="en-US" sz="900" dirty="0">
+                <a:solidFill>
+                  <a:schemeClr val="tx1"/>
+                </a:solidFill>
+              </a:rPr>
+              <a:t>Rear  Right (1)</a:t>
             </a:r>
           </a:p>
         </p:txBody>
@@ -10816,11 +10820,11 @@
             <a:avLst/>
           </a:prstGeom>
           <a:solidFill>
-            <a:srgbClr val="FF0000"/>
+            <a:srgbClr val="00B050"/>
           </a:solidFill>
           <a:ln>
             <a:solidFill>
-              <a:srgbClr val="00B050"/>
+              <a:srgbClr val="FF0000"/>
             </a:solidFill>
           </a:ln>
         </p:spPr>
@@ -10857,13 +10861,18 @@
           <a:p>
             <a:pPr algn="ctr"/>
             <a:r>
-              <a:rPr lang="en-US" sz="900" dirty="0">
+              <a:rPr lang="en-US" sz="900">
                 <a:solidFill>
                   <a:schemeClr val="tx1"/>
                 </a:solidFill>
               </a:rPr>
-              <a:t>Front Left (3)</a:t>
-            </a:r>
+              <a:t>Front Right (0)</a:t>
+            </a:r>
+            <a:endParaRPr lang="en-US" sz="900" dirty="0">
+              <a:solidFill>
+                <a:schemeClr val="tx1"/>
+              </a:solidFill>
+            </a:endParaRPr>
           </a:p>
         </p:txBody>
       </p:sp>
@@ -13427,83 +13436,6 @@
               </a:rPr>
               <a:t>Init</a:t>
             </a:r>
-          </a:p>
-        </p:txBody>
-      </p:sp>
-      <p:sp>
-        <p:nvSpPr>
-          <p:cNvPr id="16" name="Ellipse 15">
-            <a:extLst>
-              <a:ext uri="{FF2B5EF4-FFF2-40B4-BE49-F238E27FC236}">
-                <a16:creationId xmlns:a16="http://schemas.microsoft.com/office/drawing/2014/main" id="{EA3128C7-430B-EEAF-3DEC-1618FCF7E5E9}"/>
-              </a:ext>
-            </a:extLst>
-          </p:cNvPr>
-          <p:cNvSpPr/>
-          <p:nvPr/>
-        </p:nvSpPr>
-        <p:spPr>
-          <a:xfrm>
-            <a:off x="7623027" y="1196116"/>
-            <a:ext cx="697905" cy="409627"/>
-          </a:xfrm>
-          <a:prstGeom prst="ellipse">
-            <a:avLst/>
-          </a:prstGeom>
-          <a:solidFill>
-            <a:srgbClr val="FF0000"/>
-          </a:solidFill>
-          <a:ln>
-            <a:solidFill>
-              <a:srgbClr val="00B050"/>
-            </a:solidFill>
-          </a:ln>
-        </p:spPr>
-        <p:style>
-          <a:lnRef idx="2">
-            <a:schemeClr val="accent1">
-              <a:shade val="50000"/>
-            </a:schemeClr>
-          </a:lnRef>
-          <a:fillRef idx="1">
-            <a:schemeClr val="accent1"/>
-          </a:fillRef>
-          <a:effectRef idx="0">
-            <a:schemeClr val="accent1"/>
-          </a:effectRef>
-          <a:fontRef idx="minor">
-            <a:schemeClr val="lt1"/>
-          </a:fontRef>
-        </p:style>
-        <p:txBody>
-          <a:bodyPr rtlCol="0" anchor="ctr"/>
-          <a:lstStyle/>
-          <a:p>
-            <a:pPr algn="ctr"/>
-            <a:r>
-              <a:rPr lang="en-US" sz="900" dirty="0">
-                <a:solidFill>
-                  <a:schemeClr val="tx1"/>
-                </a:solidFill>
-              </a:rPr>
-              <a:t>ESC</a:t>
-            </a:r>
-          </a:p>
-          <a:p>
-            <a:pPr algn="ctr"/>
-            <a:r>
-              <a:rPr lang="en-US" sz="900">
-                <a:solidFill>
-                  <a:schemeClr val="tx1"/>
-                </a:solidFill>
-              </a:rPr>
-              <a:t>Rear Right</a:t>
-            </a:r>
-            <a:endParaRPr lang="en-US" sz="900" dirty="0">
-              <a:solidFill>
-                <a:schemeClr val="tx1"/>
-              </a:solidFill>
-            </a:endParaRPr>
           </a:p>
         </p:txBody>
       </p:sp>
@@ -13711,57 +13643,53 @@
             <p:ph type="title"/>
           </p:nvPr>
         </p:nvSpPr>
-        <p:spPr/>
+        <p:spPr>
+          <a:xfrm>
+            <a:off x="838200" y="409576"/>
+            <a:ext cx="10515600" cy="1943099"/>
+          </a:xfrm>
+        </p:spPr>
         <p:txBody>
           <a:bodyPr>
-            <a:normAutofit fontScale="90000"/>
+            <a:normAutofit/>
           </a:bodyPr>
           <a:lstStyle/>
           <a:p>
             <a:r>
-              <a:rPr lang="en-US" dirty="0"/>
+              <a:rPr lang="en-US" sz="4000" dirty="0"/>
               <a:t>4 Motors </a:t>
             </a:r>
             <a:r>
-              <a:rPr lang="en-US" b="1" dirty="0" err="1"/>
+              <a:rPr lang="en-US" sz="4000" b="1" dirty="0" err="1"/>
               <a:t>Turnigy</a:t>
             </a:r>
             <a:r>
-              <a:rPr lang="en-US" b="1" dirty="0"/>
+              <a:rPr lang="en-US" sz="4000" b="1" dirty="0"/>
               <a:t> </a:t>
             </a:r>
             <a:r>
-              <a:rPr lang="en-US" b="1" dirty="0" err="1"/>
+              <a:rPr lang="en-US" sz="4000" b="1" dirty="0" err="1"/>
               <a:t>Aerodrive</a:t>
             </a:r>
             <a:r>
-              <a:rPr lang="en-US" b="1" dirty="0"/>
-              <a:t> SK3 2830-920kv Brushless </a:t>
-            </a:r>
-            <a:r>
-              <a:rPr lang="en-US" b="1" dirty="0" err="1"/>
-              <a:t>Outrunner</a:t>
-            </a:r>
-            <a:r>
-              <a:rPr lang="en-US" b="1" dirty="0"/>
-              <a:t> Motor </a:t>
-            </a:r>
-            <a:r>
-              <a:rPr lang="nb-NO" dirty="0"/>
-              <a:t>(</a:t>
-            </a:r>
-            <a:r>
-              <a:rPr lang="nb-NO"/>
-              <a:t>Hobby King </a:t>
-            </a:r>
-            <a:r>
-              <a:rPr lang="en-US"/>
+              <a:rPr lang="en-US" sz="4000" b="1" dirty="0"/>
+              <a:t> SK3 2830-920kv Brushless Outrunner Motor</a:t>
+            </a:r>
+            <a:br>
+              <a:rPr lang="en-US" sz="4000" b="1" dirty="0"/>
+            </a:br>
+            <a:r>
+              <a:rPr lang="en-US" sz="4000" b="1" dirty="0"/>
+              <a:t> </a:t>
+            </a:r>
+            <a:r>
+              <a:rPr lang="nb-NO" sz="3200" dirty="0"/>
+              <a:t>(Hobby King </a:t>
+            </a:r>
+            <a:r>
+              <a:rPr lang="en-US" sz="3200" dirty="0"/>
               <a:t>9192000242-0)</a:t>
             </a:r>
-            <a:br>
-              <a:rPr lang="nb-NO" dirty="0"/>
-            </a:br>
-            <a:endParaRPr lang="en-US" dirty="0"/>
           </a:p>
         </p:txBody>
       </p:sp>
@@ -13781,10 +13709,15 @@
             <p:ph idx="1"/>
           </p:nvPr>
         </p:nvSpPr>
-        <p:spPr/>
+        <p:spPr>
+          <a:xfrm>
+            <a:off x="762000" y="2492375"/>
+            <a:ext cx="10515600" cy="3851275"/>
+          </a:xfrm>
+        </p:spPr>
         <p:txBody>
           <a:bodyPr>
-            <a:normAutofit fontScale="92500" lnSpcReduction="10000"/>
+            <a:normAutofit fontScale="92500" lnSpcReduction="20000"/>
           </a:bodyPr>
           <a:lstStyle/>
           <a:p>
@@ -13914,9 +13847,6 @@
               <a:rPr lang="en-US" b="1" dirty="0"/>
               <a:t>3.5mm Bullet</a:t>
             </a:r>
-            <a:br>
-              <a:rPr lang="en-US" dirty="0"/>
-            </a:br>
             <a:br>
               <a:rPr lang="en-US" dirty="0"/>
             </a:br>
@@ -14075,15 +14005,7 @@
             <a:pPr lvl="1"/>
             <a:r>
               <a:rPr lang="en-US" dirty="0"/>
-              <a:t>A high pitch implies a low lift but a high maximum rotation speed. A </a:t>
-            </a:r>
-            <a:r>
-              <a:rPr lang="en-US"/>
-              <a:t>lower pitch </a:t>
-            </a:r>
-            <a:r>
-              <a:rPr lang="en-US" dirty="0"/>
-              <a:t>implies better lift but a limited maximum speed of rotation (by compensation).</a:t>
+              <a:t>A high pitch implies a low lift but a high maximum rotation speed. A lower pitch implies better lift but a limited maximum speed of rotation (by compensation).</a:t>
             </a:r>
           </a:p>
           <a:p>
@@ -14235,7 +14157,15 @@
             </a:r>
             <a:r>
               <a:rPr lang="en-US" b="1" dirty="0"/>
-              <a:t> 10x4.5 Green (CCW) </a:t>
+              <a:t> 10x4.5 </a:t>
+            </a:r>
+            <a:r>
+              <a:rPr lang="en-US" b="1" dirty="0">
+                <a:solidFill>
+                  <a:srgbClr val="00B050"/>
+                </a:solidFill>
+              </a:rPr>
+              <a:t>Green (CCW) </a:t>
             </a:r>
             <a:r>
               <a:rPr lang="en-US" dirty="0"/>
@@ -14347,8 +14277,8 @@
         </p:nvSpPr>
         <p:spPr>
           <a:xfrm>
-            <a:off x="990600" y="1978025"/>
-            <a:ext cx="10515600" cy="4351338"/>
+            <a:off x="1009650" y="2114550"/>
+            <a:ext cx="10515600" cy="4010025"/>
           </a:xfrm>
           <a:prstGeom prst="rect">
             <a:avLst/>
@@ -14356,7 +14286,7 @@
         </p:spPr>
         <p:txBody>
           <a:bodyPr vert="horz" lIns="91440" tIns="45720" rIns="91440" bIns="45720" rtlCol="0">
-            <a:normAutofit/>
+            <a:normAutofit lnSpcReduction="10000"/>
           </a:bodyPr>
           <a:lstStyle>
             <a:lvl1pPr marL="228600" indent="-228600" algn="l" defTabSz="914400" rtl="0" eaLnBrk="1" latinLnBrk="0" hangingPunct="1">
@@ -14566,7 +14496,9 @@
             <a:endParaRPr lang="fr-FR" dirty="0"/>
           </a:p>
           <a:p>
-            <a:pPr algn="l"/>
+            <a:pPr marL="0" indent="0" algn="l">
+              <a:buNone/>
+            </a:pPr>
             <a:r>
               <a:rPr lang="fr-FR" dirty="0"/>
               <a:t>I have </a:t>
@@ -14927,7 +14859,7 @@
             </a:pPr>
             <a:r>
               <a:rPr lang="en-US" dirty="0"/>
-              <a:t>Select port and baud 19200</a:t>
+              <a:t>Connect ESC pin 51</a:t>
             </a:r>
           </a:p>
           <a:p>
@@ -14937,7 +14869,7 @@
             </a:pPr>
             <a:r>
               <a:rPr lang="en-US" dirty="0"/>
-              <a:t>Click on Connect</a:t>
+              <a:t>Select port and baud 19200</a:t>
             </a:r>
           </a:p>
           <a:p>
@@ -14947,7 +14879,7 @@
             </a:pPr>
             <a:r>
               <a:rPr lang="en-US" dirty="0"/>
-              <a:t>Click on  Read Setup</a:t>
+              <a:t>Click on Connect</a:t>
             </a:r>
           </a:p>
           <a:p>
@@ -14957,13 +14889,7 @@
             </a:pPr>
             <a:r>
               <a:rPr lang="en-US" dirty="0"/>
-              <a:t>Click on Flash BLHELI </a:t>
-            </a:r>
-          </a:p>
-          <a:p>
-            <a:r>
-              <a:rPr lang="en-US" dirty="0"/>
-              <a:t>and choose revision 16.7 G-H-30</a:t>
+              <a:t>Click on  Read Setup</a:t>
             </a:r>
           </a:p>
           <a:p>
@@ -14993,7 +14919,13 @@
             </a:pPr>
             <a:r>
               <a:rPr lang="en-US" dirty="0"/>
-              <a:t>Make changes PPM Center = 1500</a:t>
+              <a:t>Set Motor Direction = Reversed</a:t>
+            </a:r>
+          </a:p>
+          <a:p>
+            <a:r>
+              <a:rPr lang="en-US" dirty="0"/>
+              <a:t>for motors CCW</a:t>
             </a:r>
           </a:p>
           <a:p>
@@ -15003,7 +14935,7 @@
             </a:pPr>
             <a:r>
               <a:rPr lang="en-US" dirty="0"/>
-              <a:t>Set Motor Direction = Reversed</a:t>
+              <a:t>Click on Write Setup</a:t>
             </a:r>
           </a:p>
           <a:p>
@@ -15013,7 +14945,7 @@
             </a:pPr>
             <a:r>
               <a:rPr lang="en-US" dirty="0"/>
-              <a:t>for motors CCW</a:t>
+              <a:t>Click on Flash BLHELI </a:t>
             </a:r>
           </a:p>
           <a:p>
@@ -15021,10 +14953,7 @@
               <a:buFont typeface="Arial" panose="020B0604020202020204" pitchFamily="34" charset="0"/>
               <a:buChar char="•"/>
             </a:pPr>
-            <a:r>
-              <a:rPr lang="en-US" dirty="0"/>
-              <a:t>Click on Write Setup</a:t>
-            </a:r>
+            <a:endParaRPr lang="en-US" dirty="0"/>
           </a:p>
         </p:txBody>
       </p:sp>
@@ -15647,7 +15576,11 @@
             </a:pPr>
             <a:r>
               <a:rPr lang="en-US" dirty="0"/>
-              <a:t>Lithium batteries are usually charged at the 1C rate</a:t>
+              <a:t>Lithium batteries are usually charged at the </a:t>
+            </a:r>
+            <a:r>
+              <a:rPr lang="en-US" b="1" dirty="0"/>
+              <a:t>1C rate</a:t>
             </a:r>
           </a:p>
           <a:p>
@@ -15726,7 +15659,7 @@
         </p:nvSpPr>
         <p:spPr>
           <a:xfrm>
-            <a:off x="838200" y="365125"/>
+            <a:off x="838200" y="193675"/>
             <a:ext cx="10515600" cy="1325563"/>
           </a:xfrm>
         </p:spPr>
@@ -15759,7 +15692,7 @@
         </p:nvSpPr>
         <p:spPr>
           <a:xfrm>
-            <a:off x="838200" y="1509204"/>
+            <a:off x="838200" y="1194879"/>
             <a:ext cx="10515600" cy="5093887"/>
           </a:xfrm>
         </p:spPr>
@@ -16139,345 +16072,6 @@
 </p:sld>
 </file>
 
-<file path=ppt/slides/slide18.xml><?xml version="1.0" encoding="utf-8"?>
-<p:sld xmlns:a="http://schemas.openxmlformats.org/drawingml/2006/main" xmlns:r="http://schemas.openxmlformats.org/officeDocument/2006/relationships" xmlns:p="http://schemas.openxmlformats.org/presentationml/2006/main">
-  <p:cSld>
-    <p:spTree>
-      <p:nvGrpSpPr>
-        <p:cNvPr id="1" name=""/>
-        <p:cNvGrpSpPr/>
-        <p:nvPr/>
-      </p:nvGrpSpPr>
-      <p:grpSpPr>
-        <a:xfrm>
-          <a:off x="0" y="0"/>
-          <a:ext cx="0" cy="0"/>
-          <a:chOff x="0" y="0"/>
-          <a:chExt cx="0" cy="0"/>
-        </a:xfrm>
-      </p:grpSpPr>
-      <p:sp>
-        <p:nvSpPr>
-          <p:cNvPr id="2" name="Titre 1">
-            <a:extLst>
-              <a:ext uri="{FF2B5EF4-FFF2-40B4-BE49-F238E27FC236}">
-                <a16:creationId xmlns:a16="http://schemas.microsoft.com/office/drawing/2014/main" id="{7D7887D6-7566-47C9-A25C-3F4F54D9EBDC}"/>
-              </a:ext>
-            </a:extLst>
-          </p:cNvPr>
-          <p:cNvSpPr>
-            <a:spLocks noGrp="1"/>
-          </p:cNvSpPr>
-          <p:nvPr>
-            <p:ph type="title"/>
-          </p:nvPr>
-        </p:nvSpPr>
-        <p:spPr/>
-        <p:txBody>
-          <a:bodyPr/>
-          <a:lstStyle/>
-          <a:p>
-            <a:r>
-              <a:rPr lang="fr-FR" dirty="0" err="1"/>
-              <a:t>Special</a:t>
-            </a:r>
-            <a:r>
-              <a:rPr lang="fr-FR" dirty="0"/>
-              <a:t> pins Arduino MEGA2560</a:t>
-            </a:r>
-          </a:p>
-        </p:txBody>
-      </p:sp>
-      <p:sp>
-        <p:nvSpPr>
-          <p:cNvPr id="3" name="Espace réservé du contenu 2">
-            <a:extLst>
-              <a:ext uri="{FF2B5EF4-FFF2-40B4-BE49-F238E27FC236}">
-                <a16:creationId xmlns:a16="http://schemas.microsoft.com/office/drawing/2014/main" id="{570C9186-32F7-45DB-A01D-E527B032981A}"/>
-              </a:ext>
-            </a:extLst>
-          </p:cNvPr>
-          <p:cNvSpPr>
-            <a:spLocks noGrp="1"/>
-          </p:cNvSpPr>
-          <p:nvPr>
-            <p:ph idx="1"/>
-          </p:nvPr>
-        </p:nvSpPr>
-        <p:spPr/>
-        <p:txBody>
-          <a:bodyPr>
-            <a:normAutofit fontScale="47500" lnSpcReduction="20000"/>
-          </a:bodyPr>
-          <a:lstStyle/>
-          <a:p>
-            <a:pPr marL="0" indent="0">
-              <a:buNone/>
-            </a:pPr>
-            <a:r>
-              <a:rPr lang="fr-FR" sz="3500" u="sng" dirty="0"/>
-              <a:t>Pin Change </a:t>
-            </a:r>
-            <a:r>
-              <a:rPr lang="fr-FR" sz="3500" u="sng" dirty="0" err="1"/>
-              <a:t>Interrupt</a:t>
-            </a:r>
-            <a:r>
-              <a:rPr lang="fr-FR" sz="3500" u="sng" dirty="0"/>
-              <a:t> 2 ISR(PCINT2_vect)</a:t>
-            </a:r>
-          </a:p>
-          <a:p>
-            <a:pPr marL="0" indent="0">
-              <a:buNone/>
-            </a:pPr>
-            <a:r>
-              <a:rPr lang="da-DK" dirty="0"/>
-              <a:t>For pins PCINT16-PCINT23 (PK0- PK7), PORT K</a:t>
-            </a:r>
-          </a:p>
-          <a:p>
-            <a:pPr marL="0" indent="0">
-              <a:buNone/>
-            </a:pPr>
-            <a:r>
-              <a:rPr lang="fr-FR" dirty="0"/>
-              <a:t>Use pin A8 to A13 (PCINT16  to PCINT21 )</a:t>
-            </a:r>
-          </a:p>
-          <a:p>
-            <a:pPr marL="0" indent="0">
-              <a:buNone/>
-            </a:pPr>
-            <a:r>
-              <a:rPr lang="da-DK" dirty="0"/>
-              <a:t>PCMSK2 – Pin Change Mask Register 2 </a:t>
-            </a:r>
-            <a:r>
-              <a:rPr lang="en-US" dirty="0"/>
-              <a:t>Bit 2 – PCIF2: clear any outstanding interrupts 2</a:t>
-            </a:r>
-            <a:endParaRPr lang="da-DK" dirty="0"/>
-          </a:p>
-          <a:p>
-            <a:pPr marL="0" indent="0">
-              <a:buNone/>
-            </a:pPr>
-            <a:r>
-              <a:rPr lang="en-US" dirty="0"/>
-              <a:t>PCIFR – Pin Change Interrupt Flag Register =&gt; Bit 2 – PCIF2: clear any outstanding interrupts 2</a:t>
-            </a:r>
-          </a:p>
-          <a:p>
-            <a:pPr marL="0" indent="0">
-              <a:buNone/>
-            </a:pPr>
-            <a:r>
-              <a:rPr lang="fr-FR" dirty="0"/>
-              <a:t>PCICR – Pin Change </a:t>
-            </a:r>
-            <a:r>
-              <a:rPr lang="fr-FR" dirty="0" err="1"/>
-              <a:t>Interrupt</a:t>
-            </a:r>
-            <a:r>
-              <a:rPr lang="fr-FR" dirty="0"/>
-              <a:t> Control </a:t>
-            </a:r>
-            <a:r>
-              <a:rPr lang="fr-FR" dirty="0" err="1"/>
-              <a:t>Register</a:t>
-            </a:r>
-            <a:r>
-              <a:rPr lang="fr-FR" dirty="0"/>
-              <a:t> =&gt; Bit 2 – PCIE2: enable pin change </a:t>
-            </a:r>
-            <a:r>
-              <a:rPr lang="fr-FR" dirty="0" err="1"/>
-              <a:t>interrupts</a:t>
-            </a:r>
-            <a:r>
-              <a:rPr lang="fr-FR" dirty="0"/>
-              <a:t> 2</a:t>
-            </a:r>
-          </a:p>
-          <a:p>
-            <a:pPr marL="0" indent="0">
-              <a:buNone/>
-            </a:pPr>
-            <a:br>
-              <a:rPr lang="fr-FR" dirty="0"/>
-            </a:br>
-            <a:endParaRPr lang="fr-FR" dirty="0"/>
-          </a:p>
-          <a:p>
-            <a:pPr marL="0" indent="0">
-              <a:buNone/>
-            </a:pPr>
-            <a:r>
-              <a:rPr lang="fr-FR" sz="3500" u="sng" dirty="0"/>
-              <a:t>SPI</a:t>
-            </a:r>
-          </a:p>
-          <a:p>
-            <a:pPr marL="0" indent="0">
-              <a:buNone/>
-            </a:pPr>
-            <a:r>
-              <a:rPr lang="fi-FI" dirty="0"/>
-              <a:t>Pin</a:t>
-            </a:r>
-            <a:r>
-              <a:rPr lang="fr-FR" dirty="0"/>
-              <a:t> #</a:t>
-            </a:r>
-            <a:r>
-              <a:rPr lang="fi-FI" dirty="0"/>
-              <a:t>10: CS</a:t>
-            </a:r>
-            <a:endParaRPr lang="fr-FR" dirty="0"/>
-          </a:p>
-          <a:p>
-            <a:pPr marL="0" indent="0">
-              <a:buNone/>
-            </a:pPr>
-            <a:r>
-              <a:rPr lang="fi-FI" dirty="0"/>
-              <a:t>pin</a:t>
-            </a:r>
-            <a:r>
-              <a:rPr lang="fr-FR" dirty="0"/>
-              <a:t> #</a:t>
-            </a:r>
-            <a:r>
-              <a:rPr lang="fi-FI" dirty="0"/>
-              <a:t>11-&gt;pin</a:t>
-            </a:r>
-            <a:r>
-              <a:rPr lang="fr-FR" dirty="0"/>
-              <a:t> #</a:t>
-            </a:r>
-            <a:r>
-              <a:rPr lang="fi-FI" dirty="0"/>
-              <a:t>51</a:t>
-            </a:r>
-          </a:p>
-          <a:p>
-            <a:pPr marL="0" indent="0">
-              <a:buNone/>
-            </a:pPr>
-            <a:r>
-              <a:rPr lang="fi-FI" dirty="0"/>
-              <a:t>pin</a:t>
-            </a:r>
-            <a:r>
-              <a:rPr lang="fr-FR" dirty="0"/>
-              <a:t> #</a:t>
-            </a:r>
-            <a:r>
-              <a:rPr lang="fi-FI" dirty="0"/>
-              <a:t>12</a:t>
-            </a:r>
-            <a:r>
-              <a:rPr lang="fi-FI" u="sng" dirty="0"/>
-              <a:t>-&gt;pin</a:t>
-            </a:r>
-            <a:r>
-              <a:rPr lang="fr-FR" u="sng" dirty="0"/>
-              <a:t> #</a:t>
-            </a:r>
-            <a:r>
-              <a:rPr lang="fi-FI" u="sng" dirty="0"/>
-              <a:t>50</a:t>
-            </a:r>
-          </a:p>
-          <a:p>
-            <a:pPr marL="0" indent="0">
-              <a:buNone/>
-            </a:pPr>
-            <a:r>
-              <a:rPr lang="fi-FI" u="sng" dirty="0"/>
-              <a:t>pin</a:t>
-            </a:r>
-            <a:r>
-              <a:rPr lang="fr-FR" u="sng" dirty="0"/>
-              <a:t> #</a:t>
-            </a:r>
-            <a:r>
-              <a:rPr lang="fi-FI" u="sng" dirty="0"/>
-              <a:t>13-&gt;pin</a:t>
-            </a:r>
-            <a:r>
-              <a:rPr lang="fr-FR" u="sng" dirty="0"/>
-              <a:t> #</a:t>
-            </a:r>
-            <a:r>
-              <a:rPr lang="fi-FI" u="sng" dirty="0"/>
-              <a:t>52</a:t>
-            </a:r>
-          </a:p>
-          <a:p>
-            <a:pPr marL="0" indent="0">
-              <a:buNone/>
-            </a:pPr>
-            <a:endParaRPr lang="fi-FI" u="sng" dirty="0"/>
-          </a:p>
-          <a:p>
-            <a:pPr marL="0" indent="0">
-              <a:buNone/>
-            </a:pPr>
-            <a:r>
-              <a:rPr lang="fr-FR" sz="3500" u="sng" dirty="0"/>
-              <a:t>Servo</a:t>
-            </a:r>
-          </a:p>
-          <a:p>
-            <a:pPr marL="0" indent="0">
-              <a:buNone/>
-            </a:pPr>
-            <a:r>
-              <a:rPr lang="fr-FR" dirty="0" err="1"/>
-              <a:t>Timer</a:t>
-            </a:r>
-            <a:r>
-              <a:rPr lang="fr-FR"/>
-              <a:t> 5</a:t>
-            </a:r>
-            <a:endParaRPr lang="fr-FR" dirty="0"/>
-          </a:p>
-          <a:p>
-            <a:pPr marL="0" indent="0">
-              <a:buNone/>
-            </a:pPr>
-            <a:endParaRPr lang="fi-FI" u="sng" dirty="0"/>
-          </a:p>
-          <a:p>
-            <a:pPr marL="0" indent="0">
-              <a:buNone/>
-            </a:pPr>
-            <a:endParaRPr lang="fi-FI" u="sng" dirty="0"/>
-          </a:p>
-          <a:p>
-            <a:pPr marL="0" indent="0">
-              <a:buNone/>
-            </a:pPr>
-            <a:endParaRPr lang="fr-FR" u="sng" dirty="0"/>
-          </a:p>
-        </p:txBody>
-      </p:sp>
-    </p:spTree>
-    <p:extLst>
-      <p:ext uri="{BB962C8B-B14F-4D97-AF65-F5344CB8AC3E}">
-        <p14:creationId xmlns:p14="http://schemas.microsoft.com/office/powerpoint/2010/main" val="3722056244"/>
-      </p:ext>
-    </p:extLst>
-  </p:cSld>
-  <p:clrMapOvr>
-    <a:masterClrMapping/>
-  </p:clrMapOvr>
-</p:sld>
-</file>
-
 <file path=ppt/slides/slide2.xml><?xml version="1.0" encoding="utf-8"?>
 <p:sld xmlns:a="http://schemas.openxmlformats.org/drawingml/2006/main" xmlns:r="http://schemas.openxmlformats.org/officeDocument/2006/relationships" xmlns:p="http://schemas.openxmlformats.org/presentationml/2006/main">
   <p:cSld>
@@ -16546,14 +16140,14 @@
             <p:ph idx="1"/>
             <p:extLst>
               <p:ext uri="{D42A27DB-BD31-4B8C-83A1-F6EECF244321}">
-                <p14:modId xmlns:p14="http://schemas.microsoft.com/office/powerpoint/2010/main" val="3367198083"/>
+                <p14:modId xmlns:p14="http://schemas.microsoft.com/office/powerpoint/2010/main" val="515190871"/>
               </p:ext>
             </p:extLst>
           </p:nvPr>
         </p:nvGraphicFramePr>
         <p:xfrm>
-          <a:off x="897467" y="843380"/>
-          <a:ext cx="9562954" cy="5149194"/>
+          <a:off x="897467" y="843381"/>
+          <a:ext cx="9562954" cy="4345144"/>
         </p:xfrm>
         <a:graphic>
           <a:graphicData uri="http://schemas.openxmlformats.org/drawingml/2006/table">
@@ -16584,7 +16178,7 @@
                   </a:extLst>
                 </a:gridCol>
               </a:tblGrid>
-              <a:tr h="365613">
+              <a:tr h="359603">
                 <a:tc>
                   <a:txBody>
                     <a:bodyPr/>
@@ -16632,7 +16226,7 @@
                   </a:ext>
                 </a:extLst>
               </a:tr>
-              <a:tr h="370691">
+              <a:tr h="359603">
                 <a:tc>
                   <a:txBody>
                     <a:bodyPr/>
@@ -16695,7 +16289,7 @@
                   </a:ext>
                 </a:extLst>
               </a:tr>
-              <a:tr h="370691">
+              <a:tr h="359603">
                 <a:tc>
                   <a:txBody>
                     <a:bodyPr/>
@@ -16775,7 +16369,7 @@
                   </a:ext>
                 </a:extLst>
               </a:tr>
-              <a:tr h="370691">
+              <a:tr h="359603">
                 <a:tc>
                   <a:txBody>
                     <a:bodyPr/>
@@ -16855,7 +16449,7 @@
                   </a:ext>
                 </a:extLst>
               </a:tr>
-              <a:tr h="370691">
+              <a:tr h="359603">
                 <a:tc>
                   <a:txBody>
                     <a:bodyPr/>
@@ -16935,7 +16529,7 @@
                   </a:ext>
                 </a:extLst>
               </a:tr>
-              <a:tr h="370691">
+              <a:tr h="359603">
                 <a:tc>
                   <a:txBody>
                     <a:bodyPr/>
@@ -17015,7 +16609,7 @@
                   </a:ext>
                 </a:extLst>
               </a:tr>
-              <a:tr h="370691">
+              <a:tr h="359603">
                 <a:tc>
                   <a:txBody>
                     <a:bodyPr/>
@@ -17095,7 +16689,7 @@
                   </a:ext>
                 </a:extLst>
               </a:tr>
-              <a:tr h="639822">
+              <a:tr h="359603">
                 <a:tc>
                   <a:txBody>
                     <a:bodyPr/>
@@ -17150,7 +16744,7 @@
                       </a:pPr>
                       <a:r>
                         <a:rPr lang="en-US" noProof="0" dirty="0"/>
-                        <a:t>PORTL bit4 pin 45</a:t>
+                        <a:t>PORTA bit0 pin 22</a:t>
                       </a:r>
                     </a:p>
                   </a:txBody>
@@ -17162,7 +16756,7 @@
                   </a:ext>
                 </a:extLst>
               </a:tr>
-              <a:tr h="639822">
+              <a:tr h="385870">
                 <a:tc>
                   <a:txBody>
                     <a:bodyPr/>
@@ -17264,7 +16858,7 @@
                       </a:pPr>
                       <a:r>
                         <a:rPr lang="en-US" noProof="0" dirty="0"/>
-                        <a:t>PORTL bit5 pin 44</a:t>
+                        <a:t>PORTA bit1 pin 23</a:t>
                       </a:r>
                     </a:p>
                   </a:txBody>
@@ -17276,7 +16870,7 @@
                   </a:ext>
                 </a:extLst>
               </a:tr>
-              <a:tr h="639822">
+              <a:tr h="461428">
                 <a:tc>
                   <a:txBody>
                     <a:bodyPr/>
@@ -17378,7 +16972,7 @@
                       </a:pPr>
                       <a:r>
                         <a:rPr lang="en-US" noProof="0" dirty="0"/>
-                        <a:t>PORTL bit6 pin 43</a:t>
+                        <a:t>PORTA bit2 pin 24</a:t>
                       </a:r>
                     </a:p>
                   </a:txBody>
@@ -17390,7 +16984,7 @@
                   </a:ext>
                 </a:extLst>
               </a:tr>
-              <a:tr h="639822">
+              <a:tr h="571766">
                 <a:tc>
                   <a:txBody>
                     <a:bodyPr/>
@@ -17492,7 +17086,7 @@
                       </a:pPr>
                       <a:r>
                         <a:rPr lang="en-US" noProof="0" dirty="0"/>
-                        <a:t>PORTL bit7 pin 42</a:t>
+                        <a:t>PORTA bit3 pin 25</a:t>
                       </a:r>
                     </a:p>
                   </a:txBody>
@@ -17582,14 +17176,14 @@
             <p:ph idx="1"/>
             <p:extLst>
               <p:ext uri="{D42A27DB-BD31-4B8C-83A1-F6EECF244321}">
-                <p14:modId xmlns:p14="http://schemas.microsoft.com/office/powerpoint/2010/main" val="1597615548"/>
+                <p14:modId xmlns:p14="http://schemas.microsoft.com/office/powerpoint/2010/main" val="4173305998"/>
               </p:ext>
             </p:extLst>
           </p:nvPr>
         </p:nvGraphicFramePr>
         <p:xfrm>
           <a:off x="838200" y="1410759"/>
-          <a:ext cx="8954138" cy="2473960"/>
+          <a:ext cx="8526207" cy="3937000"/>
         </p:xfrm>
         <a:graphic>
           <a:graphicData uri="http://schemas.openxmlformats.org/drawingml/2006/table">
@@ -17616,13 +17210,6 @@
                   <a:extLst>
                     <a:ext uri="{9D8B030D-6E8A-4147-A177-3AD203B41FA5}">
                       <a16:colId xmlns:a16="http://schemas.microsoft.com/office/drawing/2014/main" val="295038499"/>
-                    </a:ext>
-                  </a:extLst>
-                </a:gridCol>
-                <a:gridCol w="427931">
-                  <a:extLst>
-                    <a:ext uri="{9D8B030D-6E8A-4147-A177-3AD203B41FA5}">
-                      <a16:colId xmlns:a16="http://schemas.microsoft.com/office/drawing/2014/main" val="3790619278"/>
                     </a:ext>
                   </a:extLst>
                 </a:gridCol>
@@ -17663,16 +17250,6 @@
                         <a:rPr lang="en-US" noProof="0" dirty="0"/>
                         <a:t>Interface</a:t>
                       </a:r>
-                    </a:p>
-                  </a:txBody>
-                  <a:tcPr/>
-                </a:tc>
-                <a:tc>
-                  <a:txBody>
-                    <a:bodyPr/>
-                    <a:lstStyle/>
-                    <a:p>
-                      <a:endParaRPr lang="en-US" noProof="0" dirty="0"/>
                     </a:p>
                   </a:txBody>
                   <a:tcPr/>
@@ -17782,22 +17359,111 @@
                   </a:txBody>
                   <a:tcPr/>
                 </a:tc>
+                <a:extLst>
+                  <a:ext uri="{0D108BD9-81ED-4DB2-BD59-A6C34878D82A}">
+                    <a16:rowId xmlns:a16="http://schemas.microsoft.com/office/drawing/2014/main" val="3643261065"/>
+                  </a:ext>
+                </a:extLst>
+              </a:tr>
+              <a:tr h="370840">
                 <a:tc>
                   <a:txBody>
                     <a:bodyPr/>
                     <a:lstStyle/>
                     <a:p>
-                      <a:pPr marL="0" indent="0">
-                        <a:buFont typeface="Wingdings" panose="05000000000000000000" pitchFamily="2" charset="2"/>
+                      <a:r>
+                        <a:rPr lang="fr-FR" noProof="0" dirty="0"/>
+                        <a:t>SD </a:t>
+                      </a:r>
+                      <a:r>
+                        <a:rPr lang="fr-FR" noProof="0" dirty="0" err="1"/>
+                        <a:t>Card</a:t>
+                      </a:r>
+                      <a:endParaRPr lang="en-US" noProof="0" dirty="0"/>
+                    </a:p>
+                  </a:txBody>
+                  <a:tcPr/>
+                </a:tc>
+                <a:tc>
+                  <a:txBody>
+                    <a:bodyPr/>
+                    <a:lstStyle/>
+                    <a:p>
+                      <a:r>
+                        <a:rPr lang="fr-FR" noProof="0" dirty="0" err="1"/>
+                        <a:t>Logging</a:t>
+                      </a:r>
+                      <a:endParaRPr lang="en-US" noProof="0" dirty="0"/>
+                    </a:p>
+                  </a:txBody>
+                  <a:tcPr/>
+                </a:tc>
+                <a:tc>
+                  <a:txBody>
+                    <a:bodyPr/>
+                    <a:lstStyle/>
+                    <a:p>
+                      <a:r>
+                        <a:rPr lang="en-US" noProof="0" dirty="0"/>
+                        <a:t>SPI</a:t>
+                      </a:r>
+                    </a:p>
+                    <a:p>
+                      <a:r>
+                        <a:rPr lang="en-US" noProof="0" dirty="0"/>
+                        <a:t>MISO: pin D12-D50</a:t>
+                      </a:r>
+                    </a:p>
+                    <a:p>
+                      <a:r>
+                        <a:rPr lang="en-US" noProof="0" dirty="0"/>
+                        <a:t>MOSI: pin D51-D11</a:t>
+                      </a:r>
+                    </a:p>
+                    <a:p>
+                      <a:pPr marL="0" marR="0" lvl="0" indent="0" algn="l" defTabSz="914400" rtl="0" eaLnBrk="1" fontAlgn="auto" latinLnBrk="0" hangingPunct="1">
+                        <a:lnSpc>
+                          <a:spcPct val="100000"/>
+                        </a:lnSpc>
+                        <a:spcBef>
+                          <a:spcPts val="0"/>
+                        </a:spcBef>
+                        <a:spcAft>
+                          <a:spcPts val="0"/>
+                        </a:spcAft>
+                        <a:buClrTx/>
+                        <a:buSzTx/>
+                        <a:buFontTx/>
                         <a:buNone/>
+                        <a:tabLst/>
+                        <a:defRPr/>
                       </a:pPr>
                       <a:r>
-                        <a:rPr lang="en-US" dirty="0">
-                          <a:solidFill>
-                            <a:srgbClr val="00B050"/>
-                          </a:solidFill>
-                        </a:rPr>
-                        <a:t> </a:t>
+                        <a:rPr lang="en-US" noProof="0" dirty="0"/>
+                        <a:t>SCLK: pin D13-D52</a:t>
+                      </a:r>
+                    </a:p>
+                    <a:p>
+                      <a:pPr marL="0" marR="0" lvl="0" indent="0" algn="l" defTabSz="914400" rtl="0" eaLnBrk="1" fontAlgn="auto" latinLnBrk="0" hangingPunct="1">
+                        <a:lnSpc>
+                          <a:spcPct val="100000"/>
+                        </a:lnSpc>
+                        <a:spcBef>
+                          <a:spcPts val="0"/>
+                        </a:spcBef>
+                        <a:spcAft>
+                          <a:spcPts val="0"/>
+                        </a:spcAft>
+                        <a:buClrTx/>
+                        <a:buSzTx/>
+                        <a:buFontTx/>
+                        <a:buNone/>
+                        <a:tabLst/>
+                        <a:defRPr/>
+                      </a:pPr>
+                      <a:r>
+                        <a:rPr lang="en-US" noProof="0" dirty="0"/>
+                        <a:t>CS: pin D10</a:t>
                       </a:r>
                     </a:p>
                   </a:txBody>
@@ -17805,7 +17471,7 @@
                 </a:tc>
                 <a:extLst>
                   <a:ext uri="{0D108BD9-81ED-4DB2-BD59-A6C34878D82A}">
-                    <a16:rowId xmlns:a16="http://schemas.microsoft.com/office/drawing/2014/main" val="3643261065"/>
+                    <a16:rowId xmlns:a16="http://schemas.microsoft.com/office/drawing/2014/main" val="3057614384"/>
                   </a:ext>
                 </a:extLst>
               </a:tr>
@@ -17889,16 +17555,331 @@
                       </a:pPr>
                       <a:r>
                         <a:rPr lang="en-US" noProof="0" dirty="0"/>
-                        <a:t>p</a:t>
+                        <a:t>pin D9</a:t>
+                      </a:r>
+                    </a:p>
+                  </a:txBody>
+                  <a:tcPr/>
+                </a:tc>
+                <a:extLst>
+                  <a:ext uri="{0D108BD9-81ED-4DB2-BD59-A6C34878D82A}">
+                    <a16:rowId xmlns:a16="http://schemas.microsoft.com/office/drawing/2014/main" val="4052959503"/>
+                  </a:ext>
+                </a:extLst>
+              </a:tr>
+            </a:tbl>
+          </a:graphicData>
+        </a:graphic>
+      </p:graphicFrame>
+    </p:spTree>
+    <p:extLst>
+      <p:ext uri="{BB962C8B-B14F-4D97-AF65-F5344CB8AC3E}">
+        <p14:creationId xmlns:p14="http://schemas.microsoft.com/office/powerpoint/2010/main" val="3737890955"/>
+      </p:ext>
+    </p:extLst>
+  </p:cSld>
+  <p:clrMapOvr>
+    <a:masterClrMapping/>
+  </p:clrMapOvr>
+</p:sld>
+</file>
+
+<file path=ppt/slides/slide4.xml><?xml version="1.0" encoding="utf-8"?>
+<p:sld xmlns:a="http://schemas.openxmlformats.org/drawingml/2006/main" xmlns:r="http://schemas.openxmlformats.org/officeDocument/2006/relationships" xmlns:p="http://schemas.openxmlformats.org/presentationml/2006/main">
+  <p:cSld>
+    <p:spTree>
+      <p:nvGrpSpPr>
+        <p:cNvPr id="1" name="">
+          <a:extLst>
+            <a:ext uri="{FF2B5EF4-FFF2-40B4-BE49-F238E27FC236}">
+              <a16:creationId xmlns:a16="http://schemas.microsoft.com/office/drawing/2014/main" id="{EA2A38A7-AC0A-D31D-7D59-23E8776508AF}"/>
+            </a:ext>
+          </a:extLst>
+        </p:cNvPr>
+        <p:cNvGrpSpPr/>
+        <p:nvPr/>
+      </p:nvGrpSpPr>
+      <p:grpSpPr>
+        <a:xfrm>
+          <a:off x="0" y="0"/>
+          <a:ext cx="0" cy="0"/>
+          <a:chOff x="0" y="0"/>
+          <a:chExt cx="0" cy="0"/>
+        </a:xfrm>
+      </p:grpSpPr>
+      <p:sp>
+        <p:nvSpPr>
+          <p:cNvPr id="2" name="Titre 1">
+            <a:extLst>
+              <a:ext uri="{FF2B5EF4-FFF2-40B4-BE49-F238E27FC236}">
+                <a16:creationId xmlns:a16="http://schemas.microsoft.com/office/drawing/2014/main" id="{84F74BFD-C651-F357-1A91-2B282324FAD1}"/>
+              </a:ext>
+            </a:extLst>
+          </p:cNvPr>
+          <p:cNvSpPr>
+            <a:spLocks noGrp="1"/>
+          </p:cNvSpPr>
+          <p:nvPr>
+            <p:ph type="title"/>
+          </p:nvPr>
+        </p:nvSpPr>
+        <p:spPr/>
+        <p:txBody>
+          <a:bodyPr/>
+          <a:lstStyle/>
+          <a:p>
+            <a:r>
+              <a:rPr lang="en-US" dirty="0"/>
+              <a:t>System</a:t>
+            </a:r>
+          </a:p>
+        </p:txBody>
+      </p:sp>
+      <p:graphicFrame>
+        <p:nvGraphicFramePr>
+          <p:cNvPr id="4" name="Espace réservé du contenu 3">
+            <a:extLst>
+              <a:ext uri="{FF2B5EF4-FFF2-40B4-BE49-F238E27FC236}">
+                <a16:creationId xmlns:a16="http://schemas.microsoft.com/office/drawing/2014/main" id="{4153A4AE-00F6-247F-13EF-F4560DD2C93B}"/>
+              </a:ext>
+            </a:extLst>
+          </p:cNvPr>
+          <p:cNvGraphicFramePr>
+            <a:graphicFrameLocks noGrp="1"/>
+          </p:cNvGraphicFramePr>
+          <p:nvPr>
+            <p:ph idx="1"/>
+            <p:extLst>
+              <p:ext uri="{D42A27DB-BD31-4B8C-83A1-F6EECF244321}">
+                <p14:modId xmlns:p14="http://schemas.microsoft.com/office/powerpoint/2010/main" val="3497149245"/>
+              </p:ext>
+            </p:extLst>
+          </p:nvPr>
+        </p:nvGraphicFramePr>
+        <p:xfrm>
+          <a:off x="838200" y="1410759"/>
+          <a:ext cx="8954138" cy="1656080"/>
+        </p:xfrm>
+        <a:graphic>
+          <a:graphicData uri="http://schemas.openxmlformats.org/drawingml/2006/table">
+            <a:tbl>
+              <a:tblPr firstRow="1" bandRow="1">
+                <a:tableStyleId>{5C22544A-7EE6-4342-B048-85BDC9FD1C3A}</a:tableStyleId>
+              </a:tblPr>
+              <a:tblGrid>
+                <a:gridCol w="2904746">
+                  <a:extLst>
+                    <a:ext uri="{9D8B030D-6E8A-4147-A177-3AD203B41FA5}">
+                      <a16:colId xmlns:a16="http://schemas.microsoft.com/office/drawing/2014/main" val="141237979"/>
+                    </a:ext>
+                  </a:extLst>
+                </a:gridCol>
+                <a:gridCol w="1569081">
+                  <a:extLst>
+                    <a:ext uri="{9D8B030D-6E8A-4147-A177-3AD203B41FA5}">
+                      <a16:colId xmlns:a16="http://schemas.microsoft.com/office/drawing/2014/main" val="2232030455"/>
+                    </a:ext>
+                  </a:extLst>
+                </a:gridCol>
+                <a:gridCol w="4052380">
+                  <a:extLst>
+                    <a:ext uri="{9D8B030D-6E8A-4147-A177-3AD203B41FA5}">
+                      <a16:colId xmlns:a16="http://schemas.microsoft.com/office/drawing/2014/main" val="295038499"/>
+                    </a:ext>
+                  </a:extLst>
+                </a:gridCol>
+                <a:gridCol w="427931">
+                  <a:extLst>
+                    <a:ext uri="{9D8B030D-6E8A-4147-A177-3AD203B41FA5}">
+                      <a16:colId xmlns:a16="http://schemas.microsoft.com/office/drawing/2014/main" val="3790619278"/>
+                    </a:ext>
+                  </a:extLst>
+                </a:gridCol>
+              </a:tblGrid>
+              <a:tr h="370840">
+                <a:tc>
+                  <a:txBody>
+                    <a:bodyPr/>
+                    <a:lstStyle/>
+                    <a:p>
+                      <a:r>
+                        <a:rPr lang="en-US" noProof="0" dirty="0"/>
+                        <a:t>Function</a:t>
+                      </a:r>
+                    </a:p>
+                  </a:txBody>
+                  <a:tcPr/>
+                </a:tc>
+                <a:tc>
+                  <a:txBody>
+                    <a:bodyPr/>
+                    <a:lstStyle/>
+                    <a:p>
+                      <a:r>
+                        <a:rPr lang="en-US" noProof="0" dirty="0"/>
+                        <a:t>Purpose</a:t>
+                      </a:r>
+                    </a:p>
+                  </a:txBody>
+                  <a:tcPr/>
+                </a:tc>
+                <a:tc>
+                  <a:txBody>
+                    <a:bodyPr/>
+                    <a:lstStyle/>
+                    <a:p>
+                      <a:r>
+                        <a:rPr lang="en-US" noProof="0" dirty="0"/>
+                        <a:t>System component</a:t>
+                      </a:r>
+                    </a:p>
+                  </a:txBody>
+                  <a:tcPr/>
+                </a:tc>
+                <a:tc>
+                  <a:txBody>
+                    <a:bodyPr/>
+                    <a:lstStyle/>
+                    <a:p>
+                      <a:endParaRPr lang="en-US" noProof="0" dirty="0"/>
+                    </a:p>
+                  </a:txBody>
+                  <a:tcPr/>
+                </a:tc>
+                <a:extLst>
+                  <a:ext uri="{0D108BD9-81ED-4DB2-BD59-A6C34878D82A}">
+                    <a16:rowId xmlns:a16="http://schemas.microsoft.com/office/drawing/2014/main" val="3930063906"/>
+                  </a:ext>
+                </a:extLst>
+              </a:tr>
+              <a:tr h="370840">
+                <a:tc>
+                  <a:txBody>
+                    <a:bodyPr/>
+                    <a:lstStyle/>
+                    <a:p>
+                      <a:pPr algn="l"/>
+                      <a:r>
+                        <a:rPr lang="fr-FR" sz="1800" dirty="0"/>
+                        <a:t>micros()</a:t>
+                      </a:r>
+                      <a:endParaRPr lang="en-US" sz="1800" dirty="0"/>
+                    </a:p>
+                  </a:txBody>
+                  <a:tcPr/>
+                </a:tc>
+                <a:tc>
+                  <a:txBody>
+                    <a:bodyPr/>
+                    <a:lstStyle/>
+                    <a:p>
+                      <a:r>
+                        <a:rPr lang="en-US" noProof="0" dirty="0"/>
+                        <a:t>time</a:t>
+                      </a:r>
+                    </a:p>
+                  </a:txBody>
+                  <a:tcPr/>
+                </a:tc>
+                <a:tc>
+                  <a:txBody>
+                    <a:bodyPr/>
+                    <a:lstStyle/>
+                    <a:p>
+                      <a:r>
+                        <a:rPr lang="en-US" noProof="0" dirty="0"/>
+                        <a:t>Timer0</a:t>
+                      </a:r>
+                    </a:p>
+                  </a:txBody>
+                  <a:tcPr/>
+                </a:tc>
+                <a:tc>
+                  <a:txBody>
+                    <a:bodyPr/>
+                    <a:lstStyle/>
+                    <a:p>
+                      <a:pPr marL="0" indent="0">
+                        <a:buFont typeface="Wingdings" panose="05000000000000000000" pitchFamily="2" charset="2"/>
+                        <a:buNone/>
+                      </a:pPr>
+                      <a:r>
+                        <a:rPr lang="en-US" dirty="0">
+                          <a:solidFill>
+                            <a:srgbClr val="00B050"/>
+                          </a:solidFill>
+                        </a:rPr>
+                        <a:t> </a:t>
+                      </a:r>
+                    </a:p>
+                  </a:txBody>
+                  <a:tcPr/>
+                </a:tc>
+                <a:extLst>
+                  <a:ext uri="{0D108BD9-81ED-4DB2-BD59-A6C34878D82A}">
+                    <a16:rowId xmlns:a16="http://schemas.microsoft.com/office/drawing/2014/main" val="3643261065"/>
+                  </a:ext>
+                </a:extLst>
+              </a:tr>
+              <a:tr h="370840">
+                <a:tc>
+                  <a:txBody>
+                    <a:bodyPr/>
+                    <a:lstStyle/>
+                    <a:p>
+                      <a:r>
+                        <a:rPr lang="en-US" noProof="0" dirty="0"/>
+                        <a:t>ISR (PCINT2_vect) // ISR(PCINT2_vect){} for pins PCINT16-PCINT23 (PK0- PK7)</a:t>
+                      </a:r>
+                    </a:p>
+                  </a:txBody>
+                  <a:tcPr/>
+                </a:tc>
+                <a:tc>
+                  <a:txBody>
+                    <a:bodyPr/>
+                    <a:lstStyle/>
+                    <a:p>
+                      <a:r>
+                        <a:rPr lang="fr-FR" noProof="0" dirty="0"/>
+                        <a:t>RC</a:t>
+                      </a:r>
+                      <a:endParaRPr lang="en-US" noProof="0" dirty="0"/>
+                    </a:p>
+                  </a:txBody>
+                  <a:tcPr/>
+                </a:tc>
+                <a:tc>
+                  <a:txBody>
+                    <a:bodyPr/>
+                    <a:lstStyle/>
+                    <a:p>
+                      <a:pPr marL="0" marR="0" lvl="0" indent="0" algn="l" defTabSz="914400" rtl="0" eaLnBrk="1" fontAlgn="auto" latinLnBrk="0" hangingPunct="1">
+                        <a:lnSpc>
+                          <a:spcPct val="100000"/>
+                        </a:lnSpc>
+                        <a:spcBef>
+                          <a:spcPts val="0"/>
+                        </a:spcBef>
+                        <a:spcAft>
+                          <a:spcPts val="0"/>
+                        </a:spcAft>
+                        <a:buClrTx/>
+                        <a:buSzTx/>
+                        <a:buFontTx/>
+                        <a:buNone/>
+                        <a:tabLst/>
+                        <a:defRPr/>
+                      </a:pPr>
+                      <a:r>
+                        <a:rPr lang="fr-FR" noProof="0" dirty="0" err="1"/>
+                        <a:t>Interrupt</a:t>
                       </a:r>
                       <a:r>
-                        <a:rPr lang="en-US" noProof="0"/>
-                        <a:t>in </a:t>
+                        <a:rPr lang="fr-FR" noProof="0" dirty="0"/>
+                        <a:t> Pin change</a:t>
                       </a:r>
-                      <a:r>
-                        <a:rPr lang="en-US" noProof="0" dirty="0"/>
-                        <a:t>D9</a:t>
-                      </a:r>
+                      <a:endParaRPr lang="en-US" noProof="0" dirty="0"/>
                     </a:p>
                   </a:txBody>
                   <a:tcPr/>
@@ -17956,7 +17937,7 @@
     </p:spTree>
     <p:extLst>
       <p:ext uri="{BB962C8B-B14F-4D97-AF65-F5344CB8AC3E}">
-        <p14:creationId xmlns:p14="http://schemas.microsoft.com/office/powerpoint/2010/main" val="3737890955"/>
+        <p14:creationId xmlns:p14="http://schemas.microsoft.com/office/powerpoint/2010/main" val="208470129"/>
       </p:ext>
     </p:extLst>
   </p:cSld>
@@ -17966,7 +17947,494 @@
 </p:sld>
 </file>
 
-<file path=ppt/slides/slide4.xml><?xml version="1.0" encoding="utf-8"?>
+<file path=ppt/slides/slide5.xml><?xml version="1.0" encoding="utf-8"?>
+<p:sld xmlns:a="http://schemas.openxmlformats.org/drawingml/2006/main" xmlns:r="http://schemas.openxmlformats.org/officeDocument/2006/relationships" xmlns:p="http://schemas.openxmlformats.org/presentationml/2006/main">
+  <p:cSld>
+    <p:spTree>
+      <p:nvGrpSpPr>
+        <p:cNvPr id="1" name=""/>
+        <p:cNvGrpSpPr/>
+        <p:nvPr/>
+      </p:nvGrpSpPr>
+      <p:grpSpPr>
+        <a:xfrm>
+          <a:off x="0" y="0"/>
+          <a:ext cx="0" cy="0"/>
+          <a:chOff x="0" y="0"/>
+          <a:chExt cx="0" cy="0"/>
+        </a:xfrm>
+      </p:grpSpPr>
+      <p:sp>
+        <p:nvSpPr>
+          <p:cNvPr id="2" name="Titre 1">
+            <a:extLst>
+              <a:ext uri="{FF2B5EF4-FFF2-40B4-BE49-F238E27FC236}">
+                <a16:creationId xmlns:a16="http://schemas.microsoft.com/office/drawing/2014/main" id="{7D7887D6-7566-47C9-A25C-3F4F54D9EBDC}"/>
+              </a:ext>
+            </a:extLst>
+          </p:cNvPr>
+          <p:cNvSpPr>
+            <a:spLocks noGrp="1"/>
+          </p:cNvSpPr>
+          <p:nvPr>
+            <p:ph type="title"/>
+          </p:nvPr>
+        </p:nvSpPr>
+        <p:spPr/>
+        <p:txBody>
+          <a:bodyPr/>
+          <a:lstStyle/>
+          <a:p>
+            <a:r>
+              <a:rPr lang="fr-FR" dirty="0" err="1"/>
+              <a:t>Special</a:t>
+            </a:r>
+            <a:r>
+              <a:rPr lang="fr-FR" dirty="0"/>
+              <a:t> pins Arduino MEGA2560</a:t>
+            </a:r>
+          </a:p>
+        </p:txBody>
+      </p:sp>
+      <p:sp>
+        <p:nvSpPr>
+          <p:cNvPr id="3" name="Espace réservé du contenu 2">
+            <a:extLst>
+              <a:ext uri="{FF2B5EF4-FFF2-40B4-BE49-F238E27FC236}">
+                <a16:creationId xmlns:a16="http://schemas.microsoft.com/office/drawing/2014/main" id="{570C9186-32F7-45DB-A01D-E527B032981A}"/>
+              </a:ext>
+            </a:extLst>
+          </p:cNvPr>
+          <p:cNvSpPr>
+            <a:spLocks noGrp="1"/>
+          </p:cNvSpPr>
+          <p:nvPr>
+            <p:ph idx="1"/>
+          </p:nvPr>
+        </p:nvSpPr>
+        <p:spPr/>
+        <p:txBody>
+          <a:bodyPr>
+            <a:normAutofit fontScale="62500" lnSpcReduction="20000"/>
+          </a:bodyPr>
+          <a:lstStyle/>
+          <a:p>
+            <a:pPr marL="0" indent="0">
+              <a:buNone/>
+            </a:pPr>
+            <a:r>
+              <a:rPr lang="fr-FR" sz="3500" u="sng" dirty="0"/>
+              <a:t>Pin Change </a:t>
+            </a:r>
+            <a:r>
+              <a:rPr lang="fr-FR" sz="3500" u="sng" dirty="0" err="1"/>
+              <a:t>Interrupt</a:t>
+            </a:r>
+            <a:r>
+              <a:rPr lang="fr-FR" sz="3500" u="sng" dirty="0"/>
+              <a:t> 2 ISR(PCINT2_vect)</a:t>
+            </a:r>
+          </a:p>
+          <a:p>
+            <a:pPr marL="0" indent="0">
+              <a:buNone/>
+            </a:pPr>
+            <a:r>
+              <a:rPr lang="da-DK" dirty="0"/>
+              <a:t>For pins PCINT16-PCINT23 (PK0- PK7), PORT K</a:t>
+            </a:r>
+          </a:p>
+          <a:p>
+            <a:pPr marL="0" indent="0">
+              <a:buNone/>
+            </a:pPr>
+            <a:r>
+              <a:rPr lang="fr-FR" dirty="0"/>
+              <a:t>Use pin A8 to A13 (PCINT16  to PCINT21 )</a:t>
+            </a:r>
+          </a:p>
+          <a:p>
+            <a:pPr marL="0" indent="0">
+              <a:buNone/>
+            </a:pPr>
+            <a:r>
+              <a:rPr lang="da-DK" dirty="0"/>
+              <a:t>PCMSK2 – Pin Change Mask Register 2 </a:t>
+            </a:r>
+            <a:r>
+              <a:rPr lang="en-US" dirty="0"/>
+              <a:t>Bit 2 – PCIF2: clear any outstanding interrupts 2</a:t>
+            </a:r>
+            <a:endParaRPr lang="da-DK" dirty="0"/>
+          </a:p>
+          <a:p>
+            <a:pPr marL="0" indent="0">
+              <a:buNone/>
+            </a:pPr>
+            <a:r>
+              <a:rPr lang="en-US" dirty="0"/>
+              <a:t>PCIFR – Pin Change Interrupt Flag Register =&gt; Bit 2 – PCIF2: clear any outstanding interrupts 2</a:t>
+            </a:r>
+          </a:p>
+          <a:p>
+            <a:pPr marL="0" indent="0">
+              <a:buNone/>
+            </a:pPr>
+            <a:r>
+              <a:rPr lang="fr-FR" dirty="0"/>
+              <a:t>PCICR – Pin Change </a:t>
+            </a:r>
+            <a:r>
+              <a:rPr lang="fr-FR" dirty="0" err="1"/>
+              <a:t>Interrupt</a:t>
+            </a:r>
+            <a:r>
+              <a:rPr lang="fr-FR" dirty="0"/>
+              <a:t> Control </a:t>
+            </a:r>
+            <a:r>
+              <a:rPr lang="fr-FR" dirty="0" err="1"/>
+              <a:t>Register</a:t>
+            </a:r>
+            <a:r>
+              <a:rPr lang="fr-FR" dirty="0"/>
+              <a:t> =&gt; Bit 2 – PCIE2: enable pin change </a:t>
+            </a:r>
+            <a:r>
+              <a:rPr lang="fr-FR" dirty="0" err="1"/>
+              <a:t>interrupts</a:t>
+            </a:r>
+            <a:r>
+              <a:rPr lang="fr-FR" dirty="0"/>
+              <a:t> 2</a:t>
+            </a:r>
+          </a:p>
+          <a:p>
+            <a:pPr marL="0" indent="0">
+              <a:buNone/>
+            </a:pPr>
+            <a:br>
+              <a:rPr lang="fr-FR" dirty="0"/>
+            </a:br>
+            <a:endParaRPr lang="fr-FR" dirty="0"/>
+          </a:p>
+          <a:p>
+            <a:pPr marL="0" indent="0">
+              <a:buNone/>
+            </a:pPr>
+            <a:r>
+              <a:rPr lang="fr-FR" sz="3500" u="sng" dirty="0"/>
+              <a:t>SPI</a:t>
+            </a:r>
+          </a:p>
+          <a:p>
+            <a:pPr marL="0" indent="0">
+              <a:buNone/>
+            </a:pPr>
+            <a:r>
+              <a:rPr lang="fi-FI" dirty="0"/>
+              <a:t>Pin</a:t>
+            </a:r>
+            <a:r>
+              <a:rPr lang="fr-FR" dirty="0"/>
+              <a:t> #</a:t>
+            </a:r>
+            <a:r>
+              <a:rPr lang="fi-FI" dirty="0"/>
+              <a:t>10 (SD Card) and #53 (MPU): CS</a:t>
+            </a:r>
+            <a:endParaRPr lang="fr-FR" dirty="0"/>
+          </a:p>
+          <a:p>
+            <a:pPr marL="0" indent="0">
+              <a:buNone/>
+            </a:pPr>
+            <a:r>
+              <a:rPr lang="fi-FI" dirty="0"/>
+              <a:t>pin</a:t>
+            </a:r>
+            <a:r>
+              <a:rPr lang="fr-FR" dirty="0"/>
+              <a:t> #</a:t>
+            </a:r>
+            <a:r>
+              <a:rPr lang="fi-FI" dirty="0"/>
+              <a:t>11-&gt;pin</a:t>
+            </a:r>
+            <a:r>
+              <a:rPr lang="fr-FR" dirty="0"/>
+              <a:t> #</a:t>
+            </a:r>
+            <a:r>
+              <a:rPr lang="fi-FI" dirty="0"/>
+              <a:t>51</a:t>
+            </a:r>
+          </a:p>
+          <a:p>
+            <a:pPr marL="0" indent="0">
+              <a:buNone/>
+            </a:pPr>
+            <a:r>
+              <a:rPr lang="fi-FI" dirty="0"/>
+              <a:t>pin</a:t>
+            </a:r>
+            <a:r>
+              <a:rPr lang="fr-FR" dirty="0"/>
+              <a:t> #</a:t>
+            </a:r>
+            <a:r>
+              <a:rPr lang="fi-FI" dirty="0"/>
+              <a:t>12</a:t>
+            </a:r>
+            <a:r>
+              <a:rPr lang="fi-FI" u="sng" dirty="0"/>
+              <a:t>-&gt;pin</a:t>
+            </a:r>
+            <a:r>
+              <a:rPr lang="fr-FR" u="sng" dirty="0"/>
+              <a:t> #</a:t>
+            </a:r>
+            <a:r>
+              <a:rPr lang="fi-FI" u="sng" dirty="0"/>
+              <a:t>50</a:t>
+            </a:r>
+          </a:p>
+          <a:p>
+            <a:pPr marL="0" indent="0">
+              <a:buNone/>
+            </a:pPr>
+            <a:r>
+              <a:rPr lang="fi-FI" u="sng" dirty="0"/>
+              <a:t>pin</a:t>
+            </a:r>
+            <a:r>
+              <a:rPr lang="fr-FR" u="sng" dirty="0"/>
+              <a:t> #</a:t>
+            </a:r>
+            <a:r>
+              <a:rPr lang="fi-FI" u="sng" dirty="0"/>
+              <a:t>13-&gt;pin</a:t>
+            </a:r>
+            <a:r>
+              <a:rPr lang="fr-FR" u="sng" dirty="0"/>
+              <a:t> #</a:t>
+            </a:r>
+            <a:r>
+              <a:rPr lang="fi-FI" u="sng" dirty="0"/>
+              <a:t>52</a:t>
+            </a:r>
+          </a:p>
+          <a:p>
+            <a:pPr marL="0" indent="0">
+              <a:buNone/>
+            </a:pPr>
+            <a:endParaRPr lang="fi-FI" u="sng" dirty="0"/>
+          </a:p>
+          <a:p>
+            <a:pPr marL="0" indent="0">
+              <a:buNone/>
+            </a:pPr>
+            <a:endParaRPr lang="fr-FR" u="sng" dirty="0"/>
+          </a:p>
+        </p:txBody>
+      </p:sp>
+    </p:spTree>
+    <p:extLst>
+      <p:ext uri="{BB962C8B-B14F-4D97-AF65-F5344CB8AC3E}">
+        <p14:creationId xmlns:p14="http://schemas.microsoft.com/office/powerpoint/2010/main" val="3722056244"/>
+      </p:ext>
+    </p:extLst>
+  </p:cSld>
+  <p:clrMapOvr>
+    <a:masterClrMapping/>
+  </p:clrMapOvr>
+</p:sld>
+</file>
+
+<file path=ppt/slides/slide6.xml><?xml version="1.0" encoding="utf-8"?>
+<p:sld xmlns:a="http://schemas.openxmlformats.org/drawingml/2006/main" xmlns:r="http://schemas.openxmlformats.org/officeDocument/2006/relationships" xmlns:p="http://schemas.openxmlformats.org/presentationml/2006/main">
+  <p:cSld>
+    <p:spTree>
+      <p:nvGrpSpPr>
+        <p:cNvPr id="1" name="">
+          <a:extLst>
+            <a:ext uri="{FF2B5EF4-FFF2-40B4-BE49-F238E27FC236}">
+              <a16:creationId xmlns:a16="http://schemas.microsoft.com/office/drawing/2014/main" id="{F14D607B-61EA-7941-1039-DFD8922E2659}"/>
+            </a:ext>
+          </a:extLst>
+        </p:cNvPr>
+        <p:cNvGrpSpPr/>
+        <p:nvPr/>
+      </p:nvGrpSpPr>
+      <p:grpSpPr>
+        <a:xfrm>
+          <a:off x="0" y="0"/>
+          <a:ext cx="0" cy="0"/>
+          <a:chOff x="0" y="0"/>
+          <a:chExt cx="0" cy="0"/>
+        </a:xfrm>
+      </p:grpSpPr>
+      <p:sp>
+        <p:nvSpPr>
+          <p:cNvPr id="2" name="Titre 1">
+            <a:extLst>
+              <a:ext uri="{FF2B5EF4-FFF2-40B4-BE49-F238E27FC236}">
+                <a16:creationId xmlns:a16="http://schemas.microsoft.com/office/drawing/2014/main" id="{357B8424-8DA5-862B-D964-DBC591E1C339}"/>
+              </a:ext>
+            </a:extLst>
+          </p:cNvPr>
+          <p:cNvSpPr>
+            <a:spLocks noGrp="1"/>
+          </p:cNvSpPr>
+          <p:nvPr>
+            <p:ph type="title"/>
+          </p:nvPr>
+        </p:nvSpPr>
+        <p:spPr/>
+        <p:txBody>
+          <a:bodyPr/>
+          <a:lstStyle/>
+          <a:p>
+            <a:r>
+              <a:rPr lang="fr-FR" dirty="0"/>
+              <a:t>Startup</a:t>
+            </a:r>
+          </a:p>
+        </p:txBody>
+      </p:sp>
+      <p:sp>
+        <p:nvSpPr>
+          <p:cNvPr id="3" name="Espace réservé du contenu 2">
+            <a:extLst>
+              <a:ext uri="{FF2B5EF4-FFF2-40B4-BE49-F238E27FC236}">
+                <a16:creationId xmlns:a16="http://schemas.microsoft.com/office/drawing/2014/main" id="{FB105347-0BF1-822F-2BB3-9C34991C5F1C}"/>
+              </a:ext>
+            </a:extLst>
+          </p:cNvPr>
+          <p:cNvSpPr>
+            <a:spLocks noGrp="1"/>
+          </p:cNvSpPr>
+          <p:nvPr>
+            <p:ph idx="1"/>
+          </p:nvPr>
+        </p:nvSpPr>
+        <p:spPr/>
+        <p:txBody>
+          <a:bodyPr>
+            <a:normAutofit/>
+          </a:bodyPr>
+          <a:lstStyle/>
+          <a:p>
+            <a:pPr marL="0" indent="0">
+              <a:buNone/>
+            </a:pPr>
+            <a:r>
+              <a:rPr lang="da-DK" dirty="0"/>
+              <a:t>Blink led init 30s =&gt; Move the drone in all axes to calibrate MEMS in MPU</a:t>
+            </a:r>
+          </a:p>
+          <a:p>
+            <a:pPr marL="0" indent="0">
+              <a:buNone/>
+            </a:pPr>
+            <a:r>
+              <a:rPr lang="fi-FI" dirty="0"/>
+              <a:t>Turn off led init</a:t>
+            </a:r>
+          </a:p>
+          <a:p>
+            <a:pPr marL="0" indent="0">
+              <a:buNone/>
+            </a:pPr>
+            <a:r>
+              <a:rPr lang="en-US" dirty="0"/>
+              <a:t>Blink led </a:t>
+            </a:r>
+            <a:r>
+              <a:rPr lang="en-US" dirty="0" err="1"/>
+              <a:t>init</a:t>
+            </a:r>
+            <a:r>
+              <a:rPr lang="en-US" dirty="0"/>
+              <a:t> 15s =&gt; Connect power to ESC</a:t>
+            </a:r>
+          </a:p>
+          <a:p>
+            <a:pPr marL="0" indent="0">
+              <a:buNone/>
+            </a:pPr>
+            <a:r>
+              <a:rPr lang="en-US" dirty="0"/>
+              <a:t>Turn on </a:t>
+            </a:r>
+            <a:r>
+              <a:rPr lang="fi-FI" dirty="0"/>
+              <a:t>led init =&gt; End init</a:t>
+            </a:r>
+          </a:p>
+          <a:p>
+            <a:pPr marL="0" indent="0">
+              <a:buNone/>
+            </a:pPr>
+            <a:endParaRPr lang="fi-FI" dirty="0"/>
+          </a:p>
+          <a:p>
+            <a:pPr marL="0" indent="0">
+              <a:buNone/>
+            </a:pPr>
+            <a:r>
+              <a:rPr lang="fi-FI" dirty="0"/>
+              <a:t>Turn on led Running =&gt; Drone tunning</a:t>
+            </a:r>
+          </a:p>
+          <a:p>
+            <a:pPr marL="0" indent="0">
+              <a:buNone/>
+            </a:pPr>
+            <a:r>
+              <a:rPr lang="fi-FI" dirty="0"/>
+              <a:t>Turn of led Running </a:t>
+            </a:r>
+            <a:r>
+              <a:rPr lang="fi-FI"/>
+              <a:t>=&gt; Drone stopped</a:t>
+            </a:r>
+            <a:endParaRPr lang="fi-FI" dirty="0"/>
+          </a:p>
+          <a:p>
+            <a:pPr marL="0" indent="0">
+              <a:buNone/>
+            </a:pPr>
+            <a:endParaRPr lang="fi-FI" dirty="0"/>
+          </a:p>
+          <a:p>
+            <a:pPr marL="0" indent="0">
+              <a:buNone/>
+            </a:pPr>
+            <a:endParaRPr lang="fi-FI" dirty="0"/>
+          </a:p>
+          <a:p>
+            <a:pPr marL="0" indent="0">
+              <a:buNone/>
+            </a:pPr>
+            <a:endParaRPr lang="fr-FR" u="sng" dirty="0"/>
+          </a:p>
+        </p:txBody>
+      </p:sp>
+    </p:spTree>
+    <p:extLst>
+      <p:ext uri="{BB962C8B-B14F-4D97-AF65-F5344CB8AC3E}">
+        <p14:creationId xmlns:p14="http://schemas.microsoft.com/office/powerpoint/2010/main" val="3102334302"/>
+      </p:ext>
+    </p:extLst>
+  </p:cSld>
+  <p:clrMapOvr>
+    <a:masterClrMapping/>
+  </p:clrMapOvr>
+</p:sld>
+</file>
+
+<file path=ppt/slides/slide7.xml><?xml version="1.0" encoding="utf-8"?>
 <p:sld xmlns:a="http://schemas.openxmlformats.org/drawingml/2006/main" xmlns:r="http://schemas.openxmlformats.org/officeDocument/2006/relationships" xmlns:p="http://schemas.openxmlformats.org/presentationml/2006/main">
   <p:cSld>
     <p:spTree>
@@ -18061,7 +18529,7 @@
             <a:pPr algn="ctr"/>
             <a:r>
               <a:rPr lang="en-US" dirty="0"/>
-              <a:t>Motors rotation (1/2)</a:t>
+              <a:t>Motors rotation</a:t>
             </a:r>
           </a:p>
         </p:txBody>
@@ -19552,1360 +20020,6 @@
 </p:sld>
 </file>
 
-<file path=ppt/slides/slide5.xml><?xml version="1.0" encoding="utf-8"?>
-<p:sld xmlns:a="http://schemas.openxmlformats.org/drawingml/2006/main" xmlns:r="http://schemas.openxmlformats.org/officeDocument/2006/relationships" xmlns:p="http://schemas.openxmlformats.org/presentationml/2006/main">
-  <p:cSld>
-    <p:spTree>
-      <p:nvGrpSpPr>
-        <p:cNvPr id="1" name=""/>
-        <p:cNvGrpSpPr/>
-        <p:nvPr/>
-      </p:nvGrpSpPr>
-      <p:grpSpPr>
-        <a:xfrm>
-          <a:off x="0" y="0"/>
-          <a:ext cx="0" cy="0"/>
-          <a:chOff x="0" y="0"/>
-          <a:chExt cx="0" cy="0"/>
-        </a:xfrm>
-      </p:grpSpPr>
-      <p:sp>
-        <p:nvSpPr>
-          <p:cNvPr id="2" name="Titre 1">
-            <a:extLst>
-              <a:ext uri="{FF2B5EF4-FFF2-40B4-BE49-F238E27FC236}">
-                <a16:creationId xmlns:a16="http://schemas.microsoft.com/office/drawing/2014/main" id="{5C55662D-C65A-4D18-A580-09ECCFCCD690}"/>
-              </a:ext>
-            </a:extLst>
-          </p:cNvPr>
-          <p:cNvSpPr>
-            <a:spLocks noGrp="1"/>
-          </p:cNvSpPr>
-          <p:nvPr>
-            <p:ph type="title"/>
-          </p:nvPr>
-        </p:nvSpPr>
-        <p:spPr/>
-        <p:txBody>
-          <a:bodyPr/>
-          <a:lstStyle/>
-          <a:p>
-            <a:r>
-              <a:rPr lang="fr-FR" dirty="0"/>
-              <a:t>Forces aérodynamiques</a:t>
-            </a:r>
-            <a:endParaRPr lang="en-US" dirty="0"/>
-          </a:p>
-        </p:txBody>
-      </p:sp>
-      <p:sp>
-        <p:nvSpPr>
-          <p:cNvPr id="3" name="Espace réservé du contenu 2">
-            <a:extLst>
-              <a:ext uri="{FF2B5EF4-FFF2-40B4-BE49-F238E27FC236}">
-                <a16:creationId xmlns:a16="http://schemas.microsoft.com/office/drawing/2014/main" id="{D7F3D6D1-D8A0-400C-8A93-9A3AC8AA931E}"/>
-              </a:ext>
-            </a:extLst>
-          </p:cNvPr>
-          <p:cNvSpPr>
-            <a:spLocks noGrp="1"/>
-          </p:cNvSpPr>
-          <p:nvPr>
-            <p:ph idx="1"/>
-          </p:nvPr>
-        </p:nvSpPr>
-        <p:spPr/>
-        <p:txBody>
-          <a:bodyPr/>
-          <a:lstStyle/>
-          <a:p>
-            <a:pPr marL="0" indent="0">
-              <a:buNone/>
-            </a:pPr>
-            <a:r>
-              <a:rPr lang="fr-FR" dirty="0"/>
-              <a:t>Lorsqu’on projette les forces aérodynamiques exercées par l’air sur la pale, on s’aperçoit qu’un rotor a toujours tendance à faire tourner le </a:t>
-            </a:r>
-            <a:r>
-              <a:rPr lang="fr-FR" dirty="0" err="1"/>
-              <a:t>quadcopter</a:t>
-            </a:r>
-            <a:r>
-              <a:rPr lang="fr-FR" dirty="0"/>
-              <a:t> dans le sens inverse de sa rotation.</a:t>
-            </a:r>
-            <a:endParaRPr lang="en-US" dirty="0"/>
-          </a:p>
-        </p:txBody>
-      </p:sp>
-    </p:spTree>
-    <p:extLst>
-      <p:ext uri="{BB962C8B-B14F-4D97-AF65-F5344CB8AC3E}">
-        <p14:creationId xmlns:p14="http://schemas.microsoft.com/office/powerpoint/2010/main" val="4186881262"/>
-      </p:ext>
-    </p:extLst>
-  </p:cSld>
-  <p:clrMapOvr>
-    <a:masterClrMapping/>
-  </p:clrMapOvr>
-</p:sld>
-</file>
-
-<file path=ppt/slides/slide6.xml><?xml version="1.0" encoding="utf-8"?>
-<p:sld xmlns:a="http://schemas.openxmlformats.org/drawingml/2006/main" xmlns:r="http://schemas.openxmlformats.org/officeDocument/2006/relationships" xmlns:p="http://schemas.openxmlformats.org/presentationml/2006/main">
-  <p:cSld>
-    <p:spTree>
-      <p:nvGrpSpPr>
-        <p:cNvPr id="1" name=""/>
-        <p:cNvGrpSpPr/>
-        <p:nvPr/>
-      </p:nvGrpSpPr>
-      <p:grpSpPr>
-        <a:xfrm>
-          <a:off x="0" y="0"/>
-          <a:ext cx="0" cy="0"/>
-          <a:chOff x="0" y="0"/>
-          <a:chExt cx="0" cy="0"/>
-        </a:xfrm>
-      </p:grpSpPr>
-      <p:sp>
-        <p:nvSpPr>
-          <p:cNvPr id="2" name="Titre 1">
-            <a:extLst>
-              <a:ext uri="{FF2B5EF4-FFF2-40B4-BE49-F238E27FC236}">
-                <a16:creationId xmlns:a16="http://schemas.microsoft.com/office/drawing/2014/main" id="{7D7887D6-7566-47C9-A25C-3F4F54D9EBDC}"/>
-              </a:ext>
-            </a:extLst>
-          </p:cNvPr>
-          <p:cNvSpPr>
-            <a:spLocks noGrp="1"/>
-          </p:cNvSpPr>
-          <p:nvPr>
-            <p:ph type="title"/>
-          </p:nvPr>
-        </p:nvSpPr>
-        <p:spPr/>
-        <p:txBody>
-          <a:bodyPr/>
-          <a:lstStyle/>
-          <a:p>
-            <a:r>
-              <a:rPr lang="fr-FR" dirty="0"/>
-              <a:t>Drone </a:t>
-            </a:r>
-            <a:r>
-              <a:rPr lang="fr-FR" dirty="0" err="1"/>
-              <a:t>processing</a:t>
-            </a:r>
-            <a:r>
-              <a:rPr lang="fr-FR" dirty="0"/>
-              <a:t> (1/2)</a:t>
-            </a:r>
-          </a:p>
-        </p:txBody>
-      </p:sp>
-      <p:sp>
-        <p:nvSpPr>
-          <p:cNvPr id="3" name="Espace réservé du contenu 2">
-            <a:extLst>
-              <a:ext uri="{FF2B5EF4-FFF2-40B4-BE49-F238E27FC236}">
-                <a16:creationId xmlns:a16="http://schemas.microsoft.com/office/drawing/2014/main" id="{570C9186-32F7-45DB-A01D-E527B032981A}"/>
-              </a:ext>
-            </a:extLst>
-          </p:cNvPr>
-          <p:cNvSpPr>
-            <a:spLocks noGrp="1"/>
-          </p:cNvSpPr>
-          <p:nvPr>
-            <p:ph idx="1"/>
-          </p:nvPr>
-        </p:nvSpPr>
-        <p:spPr>
-          <a:xfrm>
-            <a:off x="838200" y="1478280"/>
-            <a:ext cx="10515600" cy="5273040"/>
-          </a:xfrm>
-        </p:spPr>
-        <p:txBody>
-          <a:bodyPr>
-            <a:normAutofit fontScale="70000" lnSpcReduction="20000"/>
-          </a:bodyPr>
-          <a:lstStyle/>
-          <a:p>
-            <a:r>
-              <a:rPr lang="en-US" sz="1300" dirty="0"/>
-              <a:t>This processing usually occurs every 20 </a:t>
-            </a:r>
-            <a:r>
-              <a:rPr lang="en-US" sz="1300" dirty="0" err="1"/>
-              <a:t>ms</a:t>
-            </a:r>
-            <a:r>
-              <a:rPr lang="en-US" sz="1300" dirty="0"/>
-              <a:t> (</a:t>
-            </a:r>
-            <a:r>
-              <a:rPr lang="en-US" sz="1300" dirty="0" err="1"/>
-              <a:t>samplePeriod</a:t>
-            </a:r>
-            <a:r>
-              <a:rPr lang="en-US" sz="1300" dirty="0"/>
-              <a:t>), any latency is logged.</a:t>
-            </a:r>
-          </a:p>
-          <a:p>
-            <a:r>
-              <a:rPr lang="en-US" sz="1300" dirty="0"/>
-              <a:t>RC Command</a:t>
-            </a:r>
-          </a:p>
-          <a:p>
-            <a:pPr marL="457200" lvl="1" indent="0">
-              <a:buNone/>
-            </a:pPr>
-            <a:r>
-              <a:rPr lang="en-US" sz="1300" dirty="0"/>
-              <a:t>ROLL, PITCH, YAW: range [-120;+120]  angular speed with a neutral band</a:t>
-            </a:r>
-          </a:p>
-          <a:p>
-            <a:pPr marL="457200" lvl="1" indent="0">
-              <a:buNone/>
-            </a:pPr>
-            <a:r>
-              <a:rPr lang="en-US" sz="1300" dirty="0"/>
-              <a:t>THROTTLE:   0 if &lt; 1.1*MINPPM else value included in [1.1*MINPPM;MAXPPM] </a:t>
-            </a:r>
-            <a:r>
-              <a:rPr lang="fr-FR" sz="1300" dirty="0"/>
-              <a:t> </a:t>
-            </a:r>
-          </a:p>
-          <a:p>
-            <a:pPr marL="457200" lvl="1" indent="0">
-              <a:buNone/>
-            </a:pPr>
-            <a:r>
-              <a:rPr lang="fr-FR" sz="1300" dirty="0"/>
-              <a:t>AUX1:            0 </a:t>
-            </a:r>
-            <a:r>
-              <a:rPr lang="en-US" sz="1300" dirty="0"/>
-              <a:t>if &lt; 0.9*MAXPPM </a:t>
-            </a:r>
-            <a:r>
-              <a:rPr lang="fr-FR" sz="1300" dirty="0"/>
-              <a:t> </a:t>
-            </a:r>
-            <a:r>
-              <a:rPr lang="fr-FR" sz="1300" dirty="0" err="1"/>
-              <a:t>else</a:t>
-            </a:r>
-            <a:r>
-              <a:rPr lang="fr-FR" sz="1300" dirty="0"/>
-              <a:t> 1</a:t>
-            </a:r>
-          </a:p>
-          <a:p>
-            <a:pPr marL="457200" lvl="1" indent="0">
-              <a:buNone/>
-            </a:pPr>
-            <a:r>
-              <a:rPr lang="fr-FR" sz="1300" dirty="0"/>
-              <a:t>AUX2:            0 </a:t>
-            </a:r>
-            <a:r>
-              <a:rPr lang="en-US" sz="1300" dirty="0"/>
-              <a:t>if &lt; 0,9* MAXPPMAUX2 </a:t>
-            </a:r>
-            <a:r>
-              <a:rPr lang="fr-FR" sz="1300" dirty="0" err="1"/>
-              <a:t>else</a:t>
-            </a:r>
-            <a:r>
-              <a:rPr lang="fr-FR" sz="1300" dirty="0"/>
-              <a:t> 1</a:t>
-            </a:r>
-          </a:p>
-          <a:p>
-            <a:pPr marL="0" indent="0">
-              <a:buNone/>
-            </a:pPr>
-            <a:endParaRPr lang="fr-FR" sz="1300" dirty="0"/>
-          </a:p>
-          <a:p>
-            <a:r>
-              <a:rPr lang="en-US" sz="1300" dirty="0"/>
-              <a:t>CMPS12</a:t>
-            </a:r>
-          </a:p>
-          <a:p>
-            <a:pPr marL="457200" lvl="1" indent="0">
-              <a:buNone/>
-            </a:pPr>
-            <a:r>
-              <a:rPr lang="en-US" sz="1300" dirty="0"/>
-              <a:t>ROLL, PITCH: range [-90;+90] </a:t>
-            </a:r>
-          </a:p>
-          <a:p>
-            <a:pPr marL="457200" lvl="1" indent="0">
-              <a:buNone/>
-            </a:pPr>
-            <a:r>
-              <a:rPr lang="en-US" sz="1300" dirty="0"/>
-              <a:t>YAW:  range [0;+359] </a:t>
-            </a:r>
-          </a:p>
-          <a:p>
-            <a:pPr marL="0" indent="0">
-              <a:buNone/>
-            </a:pPr>
-            <a:endParaRPr lang="fr-FR" sz="1300" dirty="0"/>
-          </a:p>
-          <a:p>
-            <a:r>
-              <a:rPr lang="fr-FR" sz="1300" dirty="0"/>
-              <a:t>PID </a:t>
-            </a:r>
-            <a:r>
-              <a:rPr lang="fr-FR" sz="1300" dirty="0" err="1"/>
-              <a:t>computed</a:t>
-            </a:r>
-            <a:r>
-              <a:rPr lang="fr-FR" sz="1300" dirty="0"/>
-              <a:t> for Roll and Pitch </a:t>
-            </a:r>
-            <a:r>
-              <a:rPr lang="fr-FR" sz="1300" dirty="0" err="1"/>
-              <a:t>based</a:t>
-            </a:r>
-            <a:r>
-              <a:rPr lang="fr-FR" sz="1300" dirty="0"/>
-              <a:t> on RC Command vs CMPS12 </a:t>
-            </a:r>
-            <a:r>
-              <a:rPr lang="fr-FR" sz="1300" dirty="0" err="1"/>
-              <a:t>measures</a:t>
-            </a:r>
-            <a:endParaRPr lang="fr-FR" sz="1300" dirty="0"/>
-          </a:p>
-          <a:p>
-            <a:pPr marL="457200" lvl="1" indent="0">
-              <a:buNone/>
-            </a:pPr>
-            <a:r>
-              <a:rPr lang="da-DK" sz="1300" dirty="0"/>
-              <a:t>error =  measure - command</a:t>
-            </a:r>
-            <a:endParaRPr lang="nb-NO" sz="1300" dirty="0"/>
-          </a:p>
-          <a:p>
-            <a:pPr marL="457200" lvl="1" indent="0">
-              <a:buNone/>
-            </a:pPr>
-            <a:r>
-              <a:rPr lang="nb-NO" sz="1300" dirty="0"/>
-              <a:t>PID = (KP*error) + (KI*sum_error*sampleTime) + (KD*delta_error/ sampleTime)</a:t>
-            </a:r>
-          </a:p>
-          <a:p>
-            <a:pPr marL="457200" lvl="1" indent="0">
-              <a:buNone/>
-            </a:pPr>
-            <a:r>
-              <a:rPr lang="nb-NO" sz="1300" dirty="0"/>
-              <a:t>With</a:t>
-            </a:r>
-          </a:p>
-          <a:p>
-            <a:pPr lvl="2"/>
-            <a:r>
-              <a:rPr lang="en-US" sz="1300" dirty="0" err="1"/>
-              <a:t>Kp</a:t>
-            </a:r>
-            <a:r>
-              <a:rPr lang="en-US" sz="1300" dirty="0"/>
-              <a:t>[3] = {0.6,   0.6,   2.4};</a:t>
-            </a:r>
-          </a:p>
-          <a:p>
-            <a:pPr lvl="2"/>
-            <a:r>
-              <a:rPr lang="en-US" sz="1300" dirty="0"/>
-              <a:t>Ki[3] = {0.02, 0.02, 0.01};  // values for 50hz (20 </a:t>
-            </a:r>
-            <a:r>
-              <a:rPr lang="en-US" sz="1300" dirty="0" err="1"/>
-              <a:t>ms</a:t>
-            </a:r>
-            <a:r>
-              <a:rPr lang="en-US" sz="1300" dirty="0"/>
-              <a:t>)</a:t>
-            </a:r>
-          </a:p>
-          <a:p>
-            <a:pPr lvl="2"/>
-            <a:r>
-              <a:rPr lang="en-US" sz="1300" dirty="0" err="1"/>
-              <a:t>Kd</a:t>
-            </a:r>
-            <a:r>
-              <a:rPr lang="en-US" sz="1300" dirty="0"/>
-              <a:t>[3] = {12.0,  12.0,  0.0}; // values for 50hz (20 </a:t>
-            </a:r>
-            <a:r>
-              <a:rPr lang="en-US" sz="1300" dirty="0" err="1"/>
-              <a:t>ms</a:t>
-            </a:r>
-            <a:r>
-              <a:rPr lang="en-US" sz="1300" dirty="0"/>
-              <a:t>)</a:t>
-            </a:r>
-          </a:p>
-          <a:p>
-            <a:pPr marL="457200" lvl="1" indent="0">
-              <a:buNone/>
-            </a:pPr>
-            <a:endParaRPr lang="en-US" sz="1300" dirty="0"/>
-          </a:p>
-          <a:p>
-            <a:pPr marL="457200" lvl="1" indent="0">
-              <a:buNone/>
-            </a:pPr>
-            <a:r>
-              <a:rPr lang="en-US" sz="1300" dirty="0"/>
-              <a:t> </a:t>
-            </a:r>
-            <a:r>
-              <a:rPr lang="nb-NO" sz="1300" dirty="0"/>
-              <a:t>NB:</a:t>
-            </a:r>
-          </a:p>
-          <a:p>
-            <a:pPr marL="1371600" lvl="2" indent="-457200">
-              <a:buFont typeface="+mj-lt"/>
-              <a:buAutoNum type="arabicPeriod"/>
-            </a:pPr>
-            <a:r>
-              <a:rPr lang="nb-NO" sz="1300" dirty="0"/>
-              <a:t>The Integral sum_error is capped to _IMax = 5</a:t>
-            </a:r>
-          </a:p>
-          <a:p>
-            <a:pPr marL="1371600" lvl="2" indent="-457200">
-              <a:buFont typeface="+mj-lt"/>
-              <a:buAutoNum type="arabicPeriod"/>
-            </a:pPr>
-            <a:r>
-              <a:rPr lang="en-US" sz="1300" dirty="0"/>
-              <a:t>Low pass filter cut frequency at 20 Hz for the Derivative component, cuts out the high frequency noise that can drive the controller </a:t>
-            </a:r>
-            <a:r>
-              <a:rPr lang="en-US" sz="1300" dirty="0" err="1"/>
-              <a:t>crasy</a:t>
-            </a:r>
-            <a:endParaRPr lang="en-US" sz="1300" dirty="0"/>
-          </a:p>
-          <a:p>
-            <a:pPr marL="1371600" lvl="2" indent="-457200">
-              <a:buFont typeface="+mj-lt"/>
-              <a:buAutoNum type="arabicPeriod"/>
-            </a:pPr>
-            <a:r>
-              <a:rPr lang="nb-NO" sz="1300" dirty="0"/>
-              <a:t>Initial Yaw (YawInit) is subtracted from Yaw and Yaw is converted from [</a:t>
-            </a:r>
-            <a:r>
-              <a:rPr lang="en-US" sz="1300" dirty="0"/>
-              <a:t>0;+359]  to range [-180;+180] </a:t>
-            </a:r>
-            <a:endParaRPr lang="nb-NO" sz="1300" dirty="0"/>
-          </a:p>
-          <a:p>
-            <a:pPr marL="1371600" lvl="2" indent="-457200">
-              <a:buFont typeface="+mj-lt"/>
-              <a:buAutoNum type="arabicPeriod"/>
-            </a:pPr>
-            <a:r>
-              <a:rPr lang="nb-NO" sz="1300" dirty="0"/>
-              <a:t>Considering error max = 20, Integral max = 5 and delta error max = 20 =&gt; |PID| &lt; 100.</a:t>
-            </a:r>
-          </a:p>
-          <a:p>
-            <a:pPr marL="1371600" lvl="2" indent="-457200">
-              <a:buFont typeface="+mj-lt"/>
-              <a:buAutoNum type="arabicPeriod"/>
-            </a:pPr>
-            <a:endParaRPr lang="nb-NO" sz="1300" dirty="0"/>
-          </a:p>
-          <a:p>
-            <a:r>
-              <a:rPr lang="fr-FR" sz="1300" dirty="0"/>
-              <a:t>Call </a:t>
-            </a:r>
-            <a:r>
-              <a:rPr lang="fr-FR" sz="1300" dirty="0" err="1"/>
-              <a:t>MotorESC_RunMotors</a:t>
-            </a:r>
-            <a:endParaRPr lang="fr-FR" sz="1300" dirty="0"/>
-          </a:p>
-          <a:p>
-            <a:pPr marL="457200" lvl="1" indent="0">
-              <a:buNone/>
-            </a:pPr>
-            <a:r>
-              <a:rPr lang="en-US" sz="1300" dirty="0" err="1"/>
-              <a:t>ESC_command</a:t>
-            </a:r>
-            <a:r>
-              <a:rPr lang="en-US" sz="1300" dirty="0"/>
-              <a:t>[THROTTLE] = </a:t>
-            </a:r>
-            <a:r>
-              <a:rPr lang="en-US" sz="1300" dirty="0" err="1"/>
-              <a:t>RC_command</a:t>
-            </a:r>
-            <a:r>
-              <a:rPr lang="en-US" sz="1300" dirty="0"/>
-              <a:t> Throttle</a:t>
-            </a:r>
-          </a:p>
-          <a:p>
-            <a:pPr marL="457200" lvl="1" indent="0">
-              <a:buNone/>
-            </a:pPr>
-            <a:r>
-              <a:rPr lang="en-US" sz="1300" dirty="0" err="1"/>
-              <a:t>ESC_command</a:t>
-            </a:r>
-            <a:r>
-              <a:rPr lang="en-US" sz="1300" dirty="0"/>
-              <a:t>[ROLL]     = PID Roll</a:t>
-            </a:r>
-          </a:p>
-          <a:p>
-            <a:pPr marL="457200" lvl="1" indent="0">
-              <a:buNone/>
-            </a:pPr>
-            <a:r>
-              <a:rPr lang="en-US" sz="1300" dirty="0" err="1"/>
-              <a:t>ESC_command</a:t>
-            </a:r>
-            <a:r>
-              <a:rPr lang="en-US" sz="1300" dirty="0"/>
-              <a:t>[PITCH]    = PID Pitch</a:t>
-            </a:r>
-          </a:p>
-          <a:p>
-            <a:pPr marL="457200" lvl="1" indent="0">
-              <a:buNone/>
-            </a:pPr>
-            <a:r>
-              <a:rPr lang="en-US" sz="1300" dirty="0" err="1"/>
-              <a:t>ESC_command</a:t>
-            </a:r>
-            <a:r>
-              <a:rPr lang="en-US" sz="1300" dirty="0"/>
-              <a:t>[YAW]      =</a:t>
-            </a:r>
-            <a:r>
-              <a:rPr lang="en-US" sz="1300" b="1" dirty="0">
-                <a:solidFill>
-                  <a:srgbClr val="FF0000"/>
-                </a:solidFill>
-              </a:rPr>
-              <a:t> </a:t>
-            </a:r>
-            <a:r>
-              <a:rPr lang="en-US" sz="1300" dirty="0"/>
-              <a:t>PID Yaw</a:t>
-            </a:r>
-          </a:p>
-          <a:p>
-            <a:pPr marL="0" indent="0">
-              <a:buNone/>
-            </a:pPr>
-            <a:endParaRPr lang="fr-FR" sz="1800" dirty="0"/>
-          </a:p>
-        </p:txBody>
-      </p:sp>
-      <p:sp>
-        <p:nvSpPr>
-          <p:cNvPr id="5" name="ZoneTexte 4">
-            <a:extLst>
-              <a:ext uri="{FF2B5EF4-FFF2-40B4-BE49-F238E27FC236}">
-                <a16:creationId xmlns:a16="http://schemas.microsoft.com/office/drawing/2014/main" id="{2D3C049E-F439-4AF6-AF0B-E4C3600DA875}"/>
-              </a:ext>
-            </a:extLst>
-          </p:cNvPr>
-          <p:cNvSpPr txBox="1"/>
-          <p:nvPr/>
-        </p:nvSpPr>
-        <p:spPr>
-          <a:xfrm>
-            <a:off x="7195795" y="1802123"/>
-            <a:ext cx="3642360" cy="784830"/>
-          </a:xfrm>
-          <a:prstGeom prst="rect">
-            <a:avLst/>
-          </a:prstGeom>
-          <a:solidFill>
-            <a:schemeClr val="accent2">
-              <a:lumMod val="60000"/>
-              <a:lumOff val="40000"/>
-            </a:schemeClr>
-          </a:solidFill>
-        </p:spPr>
-        <p:txBody>
-          <a:bodyPr wrap="square" rtlCol="0">
-            <a:spAutoFit/>
-          </a:bodyPr>
-          <a:lstStyle/>
-          <a:p>
-            <a:r>
-              <a:rPr lang="en-US" sz="900" dirty="0"/>
-              <a:t>#define MAXPPM      2000</a:t>
-            </a:r>
-          </a:p>
-          <a:p>
-            <a:r>
-              <a:rPr lang="en-US" sz="900" dirty="0"/>
-              <a:t>#define MAXPPMAUX2  1520</a:t>
-            </a:r>
-          </a:p>
-          <a:p>
-            <a:r>
-              <a:rPr lang="en-US" sz="900" dirty="0"/>
-              <a:t>#define MINPPM      1100</a:t>
-            </a:r>
-          </a:p>
-          <a:p>
-            <a:r>
-              <a:rPr lang="en-US" sz="900" dirty="0"/>
-              <a:t>#define MIDPPM      </a:t>
-            </a:r>
-            <a:r>
-              <a:rPr lang="en-US" sz="900"/>
-              <a:t>1500.</a:t>
-            </a:r>
-            <a:endParaRPr lang="en-US" sz="900" dirty="0"/>
-          </a:p>
-          <a:p>
-            <a:r>
-              <a:rPr lang="en-US" sz="900" dirty="0"/>
-              <a:t>#define NEUTRALBAND    8</a:t>
-            </a:r>
-          </a:p>
-        </p:txBody>
-      </p:sp>
-      <p:sp>
-        <p:nvSpPr>
-          <p:cNvPr id="7" name="ZoneTexte 6">
-            <a:extLst>
-              <a:ext uri="{FF2B5EF4-FFF2-40B4-BE49-F238E27FC236}">
-                <a16:creationId xmlns:a16="http://schemas.microsoft.com/office/drawing/2014/main" id="{FDB6C678-DC89-4195-965E-145FC26ABD8E}"/>
-              </a:ext>
-            </a:extLst>
-          </p:cNvPr>
-          <p:cNvSpPr txBox="1"/>
-          <p:nvPr/>
-        </p:nvSpPr>
-        <p:spPr>
-          <a:xfrm>
-            <a:off x="7195795" y="2629226"/>
-            <a:ext cx="3642360" cy="1061829"/>
-          </a:xfrm>
-          <a:prstGeom prst="rect">
-            <a:avLst/>
-          </a:prstGeom>
-          <a:solidFill>
-            <a:schemeClr val="accent2">
-              <a:lumMod val="60000"/>
-              <a:lumOff val="40000"/>
-            </a:schemeClr>
-          </a:solidFill>
-        </p:spPr>
-        <p:txBody>
-          <a:bodyPr wrap="square" rtlCol="0">
-            <a:spAutoFit/>
-          </a:bodyPr>
-          <a:lstStyle/>
-          <a:p>
-            <a:pPr algn="ctr"/>
-            <a:r>
-              <a:rPr lang="en-US" sz="900" b="1" u="sng" dirty="0"/>
-              <a:t> INIT</a:t>
-            </a:r>
-          </a:p>
-          <a:p>
-            <a:r>
-              <a:rPr lang="en-US" sz="900" dirty="0" err="1"/>
-              <a:t>rcValue</a:t>
-            </a:r>
-            <a:r>
-              <a:rPr lang="en-US" sz="900" dirty="0"/>
-              <a:t>[THROTTLE] = MINPPM;</a:t>
-            </a:r>
-          </a:p>
-          <a:p>
-            <a:r>
-              <a:rPr lang="en-US" sz="900" dirty="0" err="1"/>
-              <a:t>rcValue</a:t>
-            </a:r>
-            <a:r>
-              <a:rPr lang="en-US" sz="900" dirty="0"/>
-              <a:t>[ROLL]     = MIDPPM;</a:t>
-            </a:r>
-          </a:p>
-          <a:p>
-            <a:r>
-              <a:rPr lang="en-US" sz="900" dirty="0" err="1"/>
-              <a:t>rcValue</a:t>
-            </a:r>
-            <a:r>
-              <a:rPr lang="en-US" sz="900" dirty="0"/>
-              <a:t>[PITCH]    = MIDPPM;</a:t>
-            </a:r>
-          </a:p>
-          <a:p>
-            <a:r>
-              <a:rPr lang="en-US" sz="900" dirty="0" err="1"/>
-              <a:t>rcValue</a:t>
-            </a:r>
-            <a:r>
-              <a:rPr lang="en-US" sz="900" dirty="0"/>
-              <a:t>[YAW]      = MIDPPM;</a:t>
-            </a:r>
-          </a:p>
-          <a:p>
-            <a:r>
-              <a:rPr lang="en-US" sz="900" dirty="0" err="1"/>
-              <a:t>rcValue</a:t>
-            </a:r>
-            <a:r>
-              <a:rPr lang="en-US" sz="900" dirty="0"/>
-              <a:t>[AUX1]     = MINPPM;</a:t>
-            </a:r>
-          </a:p>
-          <a:p>
-            <a:r>
-              <a:rPr lang="en-US" sz="900" dirty="0" err="1"/>
-              <a:t>rcValue</a:t>
-            </a:r>
-            <a:r>
-              <a:rPr lang="en-US" sz="900" dirty="0"/>
-              <a:t>[AUX2]     = MINPPM;</a:t>
-            </a:r>
-          </a:p>
-        </p:txBody>
-      </p:sp>
-    </p:spTree>
-    <p:extLst>
-      <p:ext uri="{BB962C8B-B14F-4D97-AF65-F5344CB8AC3E}">
-        <p14:creationId xmlns:p14="http://schemas.microsoft.com/office/powerpoint/2010/main" val="1215779965"/>
-      </p:ext>
-    </p:extLst>
-  </p:cSld>
-  <p:clrMapOvr>
-    <a:masterClrMapping/>
-  </p:clrMapOvr>
-</p:sld>
-</file>
-
-<file path=ppt/slides/slide7.xml><?xml version="1.0" encoding="utf-8"?>
-<p:sld xmlns:a="http://schemas.openxmlformats.org/drawingml/2006/main" xmlns:r="http://schemas.openxmlformats.org/officeDocument/2006/relationships" xmlns:p="http://schemas.openxmlformats.org/presentationml/2006/main">
-  <p:cSld>
-    <p:spTree>
-      <p:nvGrpSpPr>
-        <p:cNvPr id="1" name=""/>
-        <p:cNvGrpSpPr/>
-        <p:nvPr/>
-      </p:nvGrpSpPr>
-      <p:grpSpPr>
-        <a:xfrm>
-          <a:off x="0" y="0"/>
-          <a:ext cx="0" cy="0"/>
-          <a:chOff x="0" y="0"/>
-          <a:chExt cx="0" cy="0"/>
-        </a:xfrm>
-      </p:grpSpPr>
-      <p:sp>
-        <p:nvSpPr>
-          <p:cNvPr id="2" name="Titre 1">
-            <a:extLst>
-              <a:ext uri="{FF2B5EF4-FFF2-40B4-BE49-F238E27FC236}">
-                <a16:creationId xmlns:a16="http://schemas.microsoft.com/office/drawing/2014/main" id="{7D7887D6-7566-47C9-A25C-3F4F54D9EBDC}"/>
-              </a:ext>
-            </a:extLst>
-          </p:cNvPr>
-          <p:cNvSpPr>
-            <a:spLocks noGrp="1"/>
-          </p:cNvSpPr>
-          <p:nvPr>
-            <p:ph type="title"/>
-          </p:nvPr>
-        </p:nvSpPr>
-        <p:spPr/>
-        <p:txBody>
-          <a:bodyPr/>
-          <a:lstStyle/>
-          <a:p>
-            <a:r>
-              <a:rPr lang="fr-FR" dirty="0"/>
-              <a:t>Drone </a:t>
-            </a:r>
-            <a:r>
-              <a:rPr lang="fr-FR" dirty="0" err="1"/>
-              <a:t>processing</a:t>
-            </a:r>
-            <a:r>
-              <a:rPr lang="fr-FR" dirty="0"/>
-              <a:t> (2/3)</a:t>
-            </a:r>
-          </a:p>
-        </p:txBody>
-      </p:sp>
-      <p:sp>
-        <p:nvSpPr>
-          <p:cNvPr id="3" name="Espace réservé du contenu 2">
-            <a:extLst>
-              <a:ext uri="{FF2B5EF4-FFF2-40B4-BE49-F238E27FC236}">
-                <a16:creationId xmlns:a16="http://schemas.microsoft.com/office/drawing/2014/main" id="{570C9186-32F7-45DB-A01D-E527B032981A}"/>
-              </a:ext>
-            </a:extLst>
-          </p:cNvPr>
-          <p:cNvSpPr>
-            <a:spLocks noGrp="1"/>
-          </p:cNvSpPr>
-          <p:nvPr>
-            <p:ph idx="1"/>
-          </p:nvPr>
-        </p:nvSpPr>
-        <p:spPr/>
-        <p:txBody>
-          <a:bodyPr>
-            <a:normAutofit/>
-          </a:bodyPr>
-          <a:lstStyle/>
-          <a:p>
-            <a:r>
-              <a:rPr lang="fr-FR" dirty="0" err="1"/>
-              <a:t>MotorESC_RunMotors</a:t>
-            </a:r>
-            <a:endParaRPr lang="fr-FR" dirty="0"/>
-          </a:p>
-          <a:p>
-            <a:pPr marL="457200" lvl="1" indent="0">
-              <a:buNone/>
-            </a:pPr>
-            <a:r>
-              <a:rPr lang="en-US" sz="1400" dirty="0"/>
-              <a:t>if </a:t>
-            </a:r>
-            <a:r>
-              <a:rPr lang="en-US" sz="1400" dirty="0" err="1"/>
-              <a:t>ESC_command</a:t>
-            </a:r>
-            <a:r>
-              <a:rPr lang="en-US" sz="1400" dirty="0"/>
-              <a:t>[THROTTLE] = 0 =&gt; Motors = MINPWM</a:t>
-            </a:r>
-          </a:p>
-          <a:p>
-            <a:pPr marL="457200" lvl="1" indent="0">
-              <a:buNone/>
-            </a:pPr>
-            <a:endParaRPr lang="fr-FR" sz="1400" dirty="0"/>
-          </a:p>
-          <a:p>
-            <a:pPr marL="457200" lvl="1" indent="0">
-              <a:buNone/>
-            </a:pPr>
-            <a:r>
-              <a:rPr lang="fr-FR" sz="1400" dirty="0" err="1"/>
-              <a:t>else</a:t>
-            </a:r>
-            <a:r>
-              <a:rPr lang="fr-FR" sz="1400" dirty="0"/>
-              <a:t>:</a:t>
-            </a:r>
-          </a:p>
-          <a:p>
-            <a:pPr marL="457200" lvl="1" indent="0">
-              <a:buNone/>
-            </a:pPr>
-            <a:r>
-              <a:rPr lang="fr-FR" sz="1400" dirty="0"/>
-              <a:t>   // assure </a:t>
-            </a:r>
-            <a:r>
-              <a:rPr lang="fr-FR" sz="1400" dirty="0" err="1"/>
-              <a:t>consistency</a:t>
-            </a:r>
-            <a:r>
-              <a:rPr lang="fr-FR" sz="1400" dirty="0"/>
-              <a:t> </a:t>
-            </a:r>
-            <a:r>
-              <a:rPr lang="fr-FR" sz="1400" dirty="0" err="1"/>
-              <a:t>between</a:t>
-            </a:r>
-            <a:r>
-              <a:rPr lang="fr-FR" sz="1400" dirty="0"/>
-              <a:t> the impact of the </a:t>
-            </a:r>
-            <a:r>
-              <a:rPr lang="fr-FR" sz="1400" dirty="0" err="1"/>
-              <a:t>throttle</a:t>
-            </a:r>
-            <a:r>
-              <a:rPr lang="fr-FR" sz="1400" dirty="0"/>
-              <a:t> and of the PID</a:t>
-            </a:r>
-          </a:p>
-          <a:p>
-            <a:pPr marL="457200" lvl="1" indent="0">
-              <a:buNone/>
-            </a:pPr>
-            <a:r>
-              <a:rPr lang="fr-FR" sz="1400" dirty="0"/>
-              <a:t>    </a:t>
-            </a:r>
-            <a:r>
-              <a:rPr lang="fr-FR" sz="1400" dirty="0" err="1"/>
-              <a:t>throttle</a:t>
-            </a:r>
-            <a:r>
-              <a:rPr lang="fr-FR" sz="1400" dirty="0"/>
-              <a:t> = </a:t>
-            </a:r>
-            <a:r>
-              <a:rPr lang="fr-FR" sz="1400" dirty="0" err="1"/>
-              <a:t>map</a:t>
-            </a:r>
-            <a:r>
-              <a:rPr lang="fr-FR" sz="1400" dirty="0"/>
-              <a:t>(</a:t>
-            </a:r>
-            <a:r>
-              <a:rPr lang="fr-FR" sz="1400" dirty="0" err="1"/>
-              <a:t>ESC_command</a:t>
-            </a:r>
-            <a:r>
-              <a:rPr lang="fr-FR" sz="1400" dirty="0"/>
-              <a:t>[THROTTLE], MINPPM, MAXPPM, MINPWMTHRO, MAXPWMTHRO);  // to </a:t>
-            </a:r>
-            <a:r>
-              <a:rPr lang="fr-FR" sz="1400" dirty="0" err="1"/>
-              <a:t>give</a:t>
-            </a:r>
-            <a:r>
-              <a:rPr lang="fr-FR" sz="1400" dirty="0"/>
-              <a:t> room for PID ajustement</a:t>
-            </a:r>
-          </a:p>
-          <a:p>
-            <a:pPr marL="457200" lvl="1" indent="0">
-              <a:buNone/>
-            </a:pPr>
-            <a:endParaRPr lang="fr-FR" sz="1400" dirty="0"/>
-          </a:p>
-          <a:p>
-            <a:pPr marL="457200" lvl="1" indent="0">
-              <a:buNone/>
-            </a:pPr>
-            <a:r>
-              <a:rPr lang="fr-FR" sz="1400" dirty="0"/>
-              <a:t> #</a:t>
-            </a:r>
-            <a:r>
-              <a:rPr lang="fr-FR" sz="1400" dirty="0" err="1"/>
-              <a:t>define</a:t>
-            </a:r>
-            <a:r>
-              <a:rPr lang="fr-FR" sz="1400" dirty="0"/>
-              <a:t> PIDMIX(X,Y,Z) </a:t>
-            </a:r>
-            <a:r>
-              <a:rPr lang="fr-FR" sz="1400" dirty="0" err="1"/>
-              <a:t>ESC_command</a:t>
-            </a:r>
-            <a:r>
-              <a:rPr lang="fr-FR" sz="1400" dirty="0"/>
-              <a:t>[ROLL]*X + </a:t>
-            </a:r>
-            <a:r>
-              <a:rPr lang="fr-FR" sz="1400" dirty="0" err="1"/>
-              <a:t>ESC_command</a:t>
-            </a:r>
-            <a:r>
-              <a:rPr lang="fr-FR" sz="1400" dirty="0"/>
-              <a:t>[PITCH]*Y + </a:t>
-            </a:r>
-            <a:r>
-              <a:rPr lang="fr-FR" sz="1400" dirty="0" err="1"/>
-              <a:t>ESC_command</a:t>
-            </a:r>
-            <a:r>
-              <a:rPr lang="fr-FR" sz="1400" dirty="0"/>
-              <a:t>[YAW]*Z</a:t>
-            </a:r>
-          </a:p>
-          <a:p>
-            <a:pPr marL="457200" lvl="1" indent="0">
-              <a:buNone/>
-            </a:pPr>
-            <a:r>
-              <a:rPr lang="fr-FR" sz="1400" dirty="0"/>
-              <a:t>     </a:t>
-            </a:r>
-            <a:r>
-              <a:rPr lang="fr-FR" sz="1400" dirty="0" err="1"/>
-              <a:t>pid</a:t>
-            </a:r>
-            <a:r>
-              <a:rPr lang="fr-FR" sz="1400" dirty="0"/>
-              <a:t> = PIDMIX(-1,-1,+1); //Front </a:t>
-            </a:r>
-            <a:r>
-              <a:rPr lang="fr-FR" sz="1400" dirty="0" err="1"/>
-              <a:t>Left</a:t>
-            </a:r>
-            <a:endParaRPr lang="fr-FR" sz="1400" dirty="0"/>
-          </a:p>
-          <a:p>
-            <a:pPr marL="457200" lvl="1" indent="0">
-              <a:buNone/>
-            </a:pPr>
-            <a:r>
-              <a:rPr lang="fr-FR" sz="1400" dirty="0"/>
-              <a:t>     _</a:t>
-            </a:r>
-            <a:r>
-              <a:rPr lang="fr-FR" sz="1400" dirty="0" err="1"/>
-              <a:t>motor</a:t>
-            </a:r>
-            <a:r>
-              <a:rPr lang="fr-FR" sz="1400" dirty="0"/>
-              <a:t>[0] = </a:t>
-            </a:r>
-            <a:r>
-              <a:rPr lang="fr-FR" sz="1400" dirty="0" err="1"/>
-              <a:t>map</a:t>
-            </a:r>
-            <a:r>
-              <a:rPr lang="fr-FR" sz="1400" dirty="0"/>
-              <a:t>(</a:t>
-            </a:r>
-            <a:r>
-              <a:rPr lang="fr-FR" sz="1400" dirty="0" err="1"/>
-              <a:t>pid</a:t>
-            </a:r>
-            <a:r>
-              <a:rPr lang="fr-FR" sz="1400" dirty="0"/>
-              <a:t>, -MAXABSPID, MAXABSPID, MINPWMPID, MAXPWMPID) + </a:t>
-            </a:r>
-            <a:r>
-              <a:rPr lang="fr-FR" sz="1400" dirty="0" err="1"/>
-              <a:t>throttle</a:t>
-            </a:r>
-            <a:r>
-              <a:rPr lang="fr-FR" sz="1400" dirty="0"/>
-              <a:t>; </a:t>
-            </a:r>
-          </a:p>
-          <a:p>
-            <a:pPr marL="457200" lvl="1" indent="0">
-              <a:buNone/>
-            </a:pPr>
-            <a:r>
-              <a:rPr lang="fr-FR" sz="1400" dirty="0"/>
-              <a:t>     </a:t>
-            </a:r>
-            <a:r>
-              <a:rPr lang="fr-FR" sz="1400" dirty="0" err="1"/>
-              <a:t>pid</a:t>
-            </a:r>
-            <a:r>
-              <a:rPr lang="fr-FR" sz="1400" dirty="0"/>
-              <a:t> = PIDMIX(+1,-1,-1); //Front Right</a:t>
-            </a:r>
-          </a:p>
-          <a:p>
-            <a:pPr marL="457200" lvl="1" indent="0">
-              <a:buNone/>
-            </a:pPr>
-            <a:r>
-              <a:rPr lang="fr-FR" sz="1400" dirty="0"/>
-              <a:t>     _</a:t>
-            </a:r>
-            <a:r>
-              <a:rPr lang="fr-FR" sz="1400" dirty="0" err="1"/>
-              <a:t>motor</a:t>
-            </a:r>
-            <a:r>
-              <a:rPr lang="fr-FR" sz="1400" dirty="0"/>
-              <a:t>[1] = </a:t>
-            </a:r>
-            <a:r>
-              <a:rPr lang="fr-FR" sz="1400" dirty="0" err="1"/>
-              <a:t>map</a:t>
-            </a:r>
-            <a:r>
-              <a:rPr lang="fr-FR" sz="1400" dirty="0"/>
-              <a:t>(</a:t>
-            </a:r>
-            <a:r>
-              <a:rPr lang="fr-FR" sz="1400" dirty="0" err="1"/>
-              <a:t>pid</a:t>
-            </a:r>
-            <a:r>
-              <a:rPr lang="fr-FR" sz="1400" dirty="0"/>
-              <a:t>, -MAXABSPID, MAXABSPID, MINPWMPID, MAXPWMPID) + </a:t>
-            </a:r>
-            <a:r>
-              <a:rPr lang="fr-FR" sz="1400" dirty="0" err="1"/>
-              <a:t>throttle</a:t>
-            </a:r>
-            <a:r>
-              <a:rPr lang="fr-FR" sz="1400" dirty="0"/>
-              <a:t>;</a:t>
-            </a:r>
-          </a:p>
-          <a:p>
-            <a:pPr marL="457200" lvl="1" indent="0">
-              <a:buNone/>
-            </a:pPr>
-            <a:r>
-              <a:rPr lang="fr-FR" sz="1400" dirty="0"/>
-              <a:t>     </a:t>
-            </a:r>
-            <a:r>
-              <a:rPr lang="fr-FR" sz="1400" dirty="0" err="1"/>
-              <a:t>pid</a:t>
-            </a:r>
-            <a:r>
-              <a:rPr lang="fr-FR" sz="1400" dirty="0"/>
-              <a:t> = PIDMIX(+1,+1,+1); //</a:t>
-            </a:r>
-            <a:r>
-              <a:rPr lang="fr-FR" sz="1400" dirty="0" err="1"/>
-              <a:t>Rear</a:t>
-            </a:r>
-            <a:r>
-              <a:rPr lang="fr-FR" sz="1400" dirty="0"/>
-              <a:t> Right</a:t>
-            </a:r>
-          </a:p>
-          <a:p>
-            <a:pPr marL="457200" lvl="1" indent="0">
-              <a:buNone/>
-            </a:pPr>
-            <a:r>
-              <a:rPr lang="fr-FR" sz="1400" dirty="0"/>
-              <a:t>     _</a:t>
-            </a:r>
-            <a:r>
-              <a:rPr lang="fr-FR" sz="1400" dirty="0" err="1"/>
-              <a:t>motor</a:t>
-            </a:r>
-            <a:r>
-              <a:rPr lang="fr-FR" sz="1400" dirty="0"/>
-              <a:t>[2] = </a:t>
-            </a:r>
-            <a:r>
-              <a:rPr lang="fr-FR" sz="1400" dirty="0" err="1"/>
-              <a:t>map</a:t>
-            </a:r>
-            <a:r>
-              <a:rPr lang="fr-FR" sz="1400" dirty="0"/>
-              <a:t>(</a:t>
-            </a:r>
-            <a:r>
-              <a:rPr lang="fr-FR" sz="1400" dirty="0" err="1"/>
-              <a:t>pid</a:t>
-            </a:r>
-            <a:r>
-              <a:rPr lang="fr-FR" sz="1400" dirty="0"/>
-              <a:t>, -MAXABSPID, MAXABSPID, MINPWMPID, MAXPWMPID) + </a:t>
-            </a:r>
-            <a:r>
-              <a:rPr lang="fr-FR" sz="1400" dirty="0" err="1"/>
-              <a:t>throttle</a:t>
-            </a:r>
-            <a:r>
-              <a:rPr lang="fr-FR" sz="1400" dirty="0"/>
-              <a:t>;</a:t>
-            </a:r>
-          </a:p>
-          <a:p>
-            <a:pPr marL="457200" lvl="1" indent="0">
-              <a:buNone/>
-            </a:pPr>
-            <a:r>
-              <a:rPr lang="fr-FR" sz="1400" dirty="0"/>
-              <a:t>     </a:t>
-            </a:r>
-            <a:r>
-              <a:rPr lang="fr-FR" sz="1400" dirty="0" err="1"/>
-              <a:t>pid</a:t>
-            </a:r>
-            <a:r>
-              <a:rPr lang="fr-FR" sz="1400" dirty="0"/>
-              <a:t> = PIDMIX(-1,+1,-1); //</a:t>
-            </a:r>
-            <a:r>
-              <a:rPr lang="fr-FR" sz="1400" dirty="0" err="1"/>
-              <a:t>Rear</a:t>
-            </a:r>
-            <a:r>
-              <a:rPr lang="fr-FR" sz="1400" dirty="0"/>
-              <a:t> </a:t>
-            </a:r>
-            <a:r>
-              <a:rPr lang="fr-FR" sz="1400" dirty="0" err="1"/>
-              <a:t>Left</a:t>
-            </a:r>
-            <a:endParaRPr lang="fr-FR" sz="1400" dirty="0"/>
-          </a:p>
-          <a:p>
-            <a:pPr marL="457200" lvl="1" indent="0">
-              <a:buNone/>
-            </a:pPr>
-            <a:r>
-              <a:rPr lang="fr-FR" sz="1400" dirty="0"/>
-              <a:t>     _</a:t>
-            </a:r>
-            <a:r>
-              <a:rPr lang="fr-FR" sz="1400" dirty="0" err="1"/>
-              <a:t>motor</a:t>
-            </a:r>
-            <a:r>
-              <a:rPr lang="fr-FR" sz="1400" dirty="0"/>
-              <a:t>[3] = </a:t>
-            </a:r>
-            <a:r>
-              <a:rPr lang="fr-FR" sz="1400" dirty="0" err="1"/>
-              <a:t>map</a:t>
-            </a:r>
-            <a:r>
-              <a:rPr lang="fr-FR" sz="1400" dirty="0"/>
-              <a:t>(</a:t>
-            </a:r>
-            <a:r>
-              <a:rPr lang="fr-FR" sz="1400" dirty="0" err="1"/>
-              <a:t>pid</a:t>
-            </a:r>
-            <a:r>
-              <a:rPr lang="fr-FR" sz="1400" dirty="0"/>
-              <a:t>, -MAXABSPID, MAXABSPID, MINPWMPID, MAXPWMPID) + </a:t>
-            </a:r>
-            <a:r>
-              <a:rPr lang="fr-FR" sz="1400" dirty="0" err="1"/>
-              <a:t>throttle</a:t>
-            </a:r>
-            <a:r>
-              <a:rPr lang="fr-FR" sz="1400" dirty="0"/>
-              <a:t>;</a:t>
-            </a:r>
-          </a:p>
-        </p:txBody>
-      </p:sp>
-      <p:sp>
-        <p:nvSpPr>
-          <p:cNvPr id="4" name="ZoneTexte 3">
-            <a:extLst>
-              <a:ext uri="{FF2B5EF4-FFF2-40B4-BE49-F238E27FC236}">
-                <a16:creationId xmlns:a16="http://schemas.microsoft.com/office/drawing/2014/main" id="{7203BC04-E8B9-4351-97B7-06F37CB1AEAA}"/>
-              </a:ext>
-            </a:extLst>
-          </p:cNvPr>
-          <p:cNvSpPr txBox="1"/>
-          <p:nvPr/>
-        </p:nvSpPr>
-        <p:spPr>
-          <a:xfrm>
-            <a:off x="8092440" y="1633448"/>
-            <a:ext cx="3642360" cy="1200329"/>
-          </a:xfrm>
-          <a:prstGeom prst="rect">
-            <a:avLst/>
-          </a:prstGeom>
-          <a:solidFill>
-            <a:schemeClr val="accent2">
-              <a:lumMod val="60000"/>
-              <a:lumOff val="40000"/>
-            </a:schemeClr>
-          </a:solidFill>
-        </p:spPr>
-        <p:txBody>
-          <a:bodyPr wrap="square" rtlCol="0">
-            <a:spAutoFit/>
-          </a:bodyPr>
-          <a:lstStyle/>
-          <a:p>
-            <a:r>
-              <a:rPr lang="en-US" sz="900" dirty="0"/>
-              <a:t>#define MINPWM 1000</a:t>
-            </a:r>
-          </a:p>
-          <a:p>
-            <a:r>
-              <a:rPr lang="en-US" sz="900" dirty="0"/>
-              <a:t>#define MAXPWM 2000</a:t>
-            </a:r>
-          </a:p>
-          <a:p>
-            <a:r>
-              <a:rPr lang="en-US" sz="900" dirty="0"/>
-              <a:t>#define MINPWMTHRO 1000</a:t>
-            </a:r>
-          </a:p>
-          <a:p>
-            <a:r>
-              <a:rPr lang="en-US" sz="900" dirty="0"/>
-              <a:t>#define MAXPWMTHRO 2000</a:t>
-            </a:r>
-          </a:p>
-          <a:p>
-            <a:r>
-              <a:rPr lang="en-US" sz="900" dirty="0"/>
-              <a:t>#define MAXABSPWMPID 200 /// to be TESTED</a:t>
-            </a:r>
-          </a:p>
-          <a:p>
-            <a:r>
-              <a:rPr lang="en-US" sz="900" dirty="0"/>
-              <a:t>#define MAXABSPID 79 // computed based on value of the </a:t>
-            </a:r>
-            <a:r>
-              <a:rPr lang="en-US" sz="900" dirty="0" err="1"/>
-              <a:t>coeff</a:t>
-            </a:r>
-            <a:r>
-              <a:rPr lang="en-US" sz="900" dirty="0"/>
-              <a:t> and max error for PID</a:t>
-            </a:r>
-          </a:p>
-          <a:p>
-            <a:endParaRPr lang="en-US" sz="900" dirty="0"/>
-          </a:p>
-        </p:txBody>
-      </p:sp>
-    </p:spTree>
-    <p:extLst>
-      <p:ext uri="{BB962C8B-B14F-4D97-AF65-F5344CB8AC3E}">
-        <p14:creationId xmlns:p14="http://schemas.microsoft.com/office/powerpoint/2010/main" val="2221460608"/>
-      </p:ext>
-    </p:extLst>
-  </p:cSld>
-  <p:clrMapOvr>
-    <a:masterClrMapping/>
-  </p:clrMapOvr>
-</p:sld>
-</file>
-
 <file path=ppt/slides/slide8.xml><?xml version="1.0" encoding="utf-8"?>
 <p:sld xmlns:a="http://schemas.openxmlformats.org/drawingml/2006/main" xmlns:r="http://schemas.openxmlformats.org/officeDocument/2006/relationships" xmlns:p="http://schemas.openxmlformats.org/presentationml/2006/main">
   <p:cSld>
@@ -21320,7 +20434,7 @@
         <p:spPr>
           <a:xfrm>
             <a:off x="6633100" y="3570654"/>
-            <a:ext cx="1390189" cy="923330"/>
+            <a:ext cx="1027012" cy="369332"/>
           </a:xfrm>
           <a:prstGeom prst="rect">
             <a:avLst/>
@@ -21342,18 +20456,6 @@
               <a:t>Roll</a:t>
             </a:r>
           </a:p>
-          <a:p>
-            <a:r>
-              <a:rPr lang="en-US" dirty="0"/>
-              <a:t>+ Front Right</a:t>
-            </a:r>
-          </a:p>
-          <a:p>
-            <a:r>
-              <a:rPr lang="en-US" dirty="0"/>
-              <a:t>+ Rear Right</a:t>
-            </a:r>
-          </a:p>
         </p:txBody>
       </p:sp>
       <p:sp>
@@ -21371,7 +20473,7 @@
         <p:spPr>
           <a:xfrm>
             <a:off x="10947953" y="3500995"/>
-            <a:ext cx="1212320" cy="923330"/>
+            <a:ext cx="982128" cy="369332"/>
           </a:xfrm>
           <a:prstGeom prst="rect">
             <a:avLst/>
@@ -21393,18 +20495,6 @@
               <a:t>Roll</a:t>
             </a:r>
           </a:p>
-          <a:p>
-            <a:r>
-              <a:rPr lang="en-US" dirty="0"/>
-              <a:t>+Front Left</a:t>
-            </a:r>
-          </a:p>
-          <a:p>
-            <a:r>
-              <a:rPr lang="en-US" dirty="0"/>
-              <a:t>+ Rear Left</a:t>
-            </a:r>
-          </a:p>
         </p:txBody>
       </p:sp>
       <p:sp>
@@ -21500,7 +20590,7 @@
         <p:spPr>
           <a:xfrm>
             <a:off x="2856818" y="5862849"/>
-            <a:ext cx="1311769" cy="923330"/>
+            <a:ext cx="1096967" cy="369332"/>
           </a:xfrm>
           <a:prstGeom prst="rect">
             <a:avLst/>
@@ -21522,18 +20612,6 @@
               <a:t>Pitch</a:t>
             </a:r>
           </a:p>
-          <a:p>
-            <a:r>
-              <a:rPr lang="en-US" dirty="0"/>
-              <a:t>+Rear Right</a:t>
-            </a:r>
-          </a:p>
-          <a:p>
-            <a:r>
-              <a:rPr lang="en-US" dirty="0"/>
-              <a:t>+ Rear Left</a:t>
-            </a:r>
-          </a:p>
         </p:txBody>
       </p:sp>
       <p:sp>
@@ -21551,7 +20629,7 @@
         <p:spPr>
           <a:xfrm>
             <a:off x="2798326" y="1162623"/>
-            <a:ext cx="1441998" cy="1200329"/>
+            <a:ext cx="1141851" cy="646331"/>
           </a:xfrm>
           <a:prstGeom prst="rect">
             <a:avLst/>
@@ -21574,18 +20652,6 @@
             </a:r>
           </a:p>
           <a:p>
-            <a:r>
-              <a:rPr lang="en-US" dirty="0"/>
-              <a:t>+ Front Left</a:t>
-            </a:r>
-          </a:p>
-          <a:p>
-            <a:r>
-              <a:rPr lang="en-US" dirty="0"/>
-              <a:t>+ Front Right</a:t>
-            </a:r>
-          </a:p>
-          <a:p>
             <a:endParaRPr lang="en-US" dirty="0"/>
           </a:p>
         </p:txBody>
@@ -21639,7 +20705,7 @@
         </p:nvSpPr>
         <p:spPr>
           <a:xfrm>
-            <a:off x="11111265" y="828310"/>
+            <a:off x="10848798" y="760576"/>
             <a:ext cx="1173719" cy="369332"/>
           </a:xfrm>
           <a:prstGeom prst="rect">
